--- a/An integrated high-level hardware-software partitioning methodology.pptx
+++ b/An integrated high-level hardware-software partitioning methodology.pptx
@@ -5,19 +5,22 @@
     <p:sldMasterId id="2147483678" r:id="rId1"/>
   </p:sldMasterIdLst>
   <p:notesMasterIdLst>
-    <p:notesMasterId r:id="rId12"/>
+    <p:notesMasterId r:id="rId15"/>
   </p:notesMasterIdLst>
   <p:sldIdLst>
     <p:sldId id="256" r:id="rId2"/>
     <p:sldId id="257" r:id="rId3"/>
     <p:sldId id="259" r:id="rId4"/>
-    <p:sldId id="260" r:id="rId5"/>
-    <p:sldId id="261" r:id="rId6"/>
-    <p:sldId id="258" r:id="rId7"/>
-    <p:sldId id="262" r:id="rId8"/>
-    <p:sldId id="263" r:id="rId9"/>
-    <p:sldId id="264" r:id="rId10"/>
-    <p:sldId id="265" r:id="rId11"/>
+    <p:sldId id="258" r:id="rId5"/>
+    <p:sldId id="260" r:id="rId6"/>
+    <p:sldId id="261" r:id="rId7"/>
+    <p:sldId id="266" r:id="rId8"/>
+    <p:sldId id="262" r:id="rId9"/>
+    <p:sldId id="263" r:id="rId10"/>
+    <p:sldId id="264" r:id="rId11"/>
+    <p:sldId id="268" r:id="rId12"/>
+    <p:sldId id="267" r:id="rId13"/>
+    <p:sldId id="265" r:id="rId14"/>
   </p:sldIdLst>
   <p:sldSz cx="12192000" cy="6858000"/>
   <p:notesSz cx="6858000" cy="9144000"/>
@@ -206,7 +209,7 @@
           <a:p>
             <a:fld id="{35FFD53A-5ED3-490D-984A-3A374CCF5487}" type="datetimeFigureOut">
               <a:rPr lang="en-GB" smtClean="0"/>
-              <a:t>29/11/2018</a:t>
+              <a:t>02/12/2018</a:t>
             </a:fld>
             <a:endParaRPr lang="en-GB"/>
           </a:p>
@@ -534,13 +537,6 @@
           <a:p>
             <a:endParaRPr lang="en-GB" baseline="0" dirty="0" smtClean="0"/>
           </a:p>
-          <a:p>
-            <a:r>
-              <a:rPr lang="en-GB" b="1" baseline="0" dirty="0" smtClean="0"/>
-              <a:t>Say which slide you start talking about its relationship to parallel computing</a:t>
-            </a:r>
-            <a:endParaRPr lang="en-GB" b="1" dirty="0"/>
-          </a:p>
         </p:txBody>
       </p:sp>
       <p:sp>
@@ -570,6 +566,518 @@
     <p:extLst>
       <p:ext uri="{BB962C8B-B14F-4D97-AF65-F5344CB8AC3E}">
         <p14:creationId xmlns:p14="http://schemas.microsoft.com/office/powerpoint/2010/main" val="1761143428"/>
+      </p:ext>
+    </p:extLst>
+  </p:cSld>
+  <p:clrMapOvr>
+    <a:masterClrMapping/>
+  </p:clrMapOvr>
+</p:notes>
+</file>
+
+<file path=ppt/notesSlides/notesSlide10.xml><?xml version="1.0" encoding="utf-8"?>
+<p:notes xmlns:a="http://schemas.openxmlformats.org/drawingml/2006/main" xmlns:r="http://schemas.openxmlformats.org/officeDocument/2006/relationships" xmlns:p="http://schemas.openxmlformats.org/presentationml/2006/main">
+  <p:cSld>
+    <p:spTree>
+      <p:nvGrpSpPr>
+        <p:cNvPr id="1" name=""/>
+        <p:cNvGrpSpPr/>
+        <p:nvPr/>
+      </p:nvGrpSpPr>
+      <p:grpSpPr>
+        <a:xfrm>
+          <a:off x="0" y="0"/>
+          <a:ext cx="0" cy="0"/>
+          <a:chOff x="0" y="0"/>
+          <a:chExt cx="0" cy="0"/>
+        </a:xfrm>
+      </p:grpSpPr>
+      <p:sp>
+        <p:nvSpPr>
+          <p:cNvPr id="2" name="Slide Image Placeholder 1"/>
+          <p:cNvSpPr>
+            <a:spLocks noGrp="1" noRot="1" noChangeAspect="1"/>
+          </p:cNvSpPr>
+          <p:nvPr>
+            <p:ph type="sldImg"/>
+          </p:nvPr>
+        </p:nvSpPr>
+        <p:spPr/>
+      </p:sp>
+      <p:sp>
+        <p:nvSpPr>
+          <p:cNvPr id="3" name="Notes Placeholder 2"/>
+          <p:cNvSpPr>
+            <a:spLocks noGrp="1"/>
+          </p:cNvSpPr>
+          <p:nvPr>
+            <p:ph type="body" idx="1"/>
+          </p:nvPr>
+        </p:nvSpPr>
+        <p:spPr/>
+        <p:txBody>
+          <a:bodyPr/>
+          <a:lstStyle/>
+          <a:p>
+            <a:r>
+              <a:rPr lang="en-GB" dirty="0" smtClean="0"/>
+              <a:t>Each component has a set of values to generate cost of that individual</a:t>
+            </a:r>
+            <a:r>
+              <a:rPr lang="en-GB" baseline="0" dirty="0" smtClean="0"/>
+              <a:t> section, we need this data to figure out how much using a particular components cost.</a:t>
+            </a:r>
+          </a:p>
+          <a:p>
+            <a:endParaRPr lang="en-GB" baseline="0" dirty="0" smtClean="0"/>
+          </a:p>
+          <a:p>
+            <a:r>
+              <a:rPr lang="en-GB" dirty="0" smtClean="0"/>
+              <a:t>An adjustment</a:t>
+            </a:r>
+            <a:r>
+              <a:rPr lang="en-GB" baseline="0" dirty="0" smtClean="0"/>
+              <a:t> is made to the algorithm to account for parallel processors, this is to alter the cost value if two or more software nodes are in the same control step, the maximum number of concurrent software tasks is two.</a:t>
+            </a:r>
+          </a:p>
+          <a:p>
+            <a:endParaRPr lang="en-GB" baseline="0" dirty="0" smtClean="0"/>
+          </a:p>
+          <a:p>
+            <a:r>
+              <a:rPr lang="en-GB" baseline="0" dirty="0" smtClean="0"/>
+              <a:t>Since hardware components can run in parallel, the hardware delay is not additive, to calculate hardware delay by accumulating the maximum delay of each control step.</a:t>
+            </a:r>
+          </a:p>
+          <a:p>
+            <a:endParaRPr lang="en-GB" baseline="0" dirty="0" smtClean="0"/>
+          </a:p>
+          <a:p>
+            <a:endParaRPr lang="en-GB" dirty="0"/>
+          </a:p>
+        </p:txBody>
+      </p:sp>
+      <p:sp>
+        <p:nvSpPr>
+          <p:cNvPr id="4" name="Slide Number Placeholder 3"/>
+          <p:cNvSpPr>
+            <a:spLocks noGrp="1"/>
+          </p:cNvSpPr>
+          <p:nvPr>
+            <p:ph type="sldNum" sz="quarter" idx="10"/>
+          </p:nvPr>
+        </p:nvSpPr>
+        <p:spPr/>
+        <p:txBody>
+          <a:bodyPr/>
+          <a:lstStyle/>
+          <a:p>
+            <a:fld id="{8F10CEB8-BB87-4DEA-B297-2F16A573BD8C}" type="slidenum">
+              <a:rPr lang="en-GB" smtClean="0"/>
+              <a:t>10</a:t>
+            </a:fld>
+            <a:endParaRPr lang="en-GB"/>
+          </a:p>
+        </p:txBody>
+      </p:sp>
+    </p:spTree>
+    <p:extLst>
+      <p:ext uri="{BB962C8B-B14F-4D97-AF65-F5344CB8AC3E}">
+        <p14:creationId xmlns:p14="http://schemas.microsoft.com/office/powerpoint/2010/main" val="2518132350"/>
+      </p:ext>
+    </p:extLst>
+  </p:cSld>
+  <p:clrMapOvr>
+    <a:masterClrMapping/>
+  </p:clrMapOvr>
+</p:notes>
+</file>
+
+<file path=ppt/notesSlides/notesSlide11.xml><?xml version="1.0" encoding="utf-8"?>
+<p:notes xmlns:a="http://schemas.openxmlformats.org/drawingml/2006/main" xmlns:r="http://schemas.openxmlformats.org/officeDocument/2006/relationships" xmlns:p="http://schemas.openxmlformats.org/presentationml/2006/main">
+  <p:cSld>
+    <p:spTree>
+      <p:nvGrpSpPr>
+        <p:cNvPr id="1" name=""/>
+        <p:cNvGrpSpPr/>
+        <p:nvPr/>
+      </p:nvGrpSpPr>
+      <p:grpSpPr>
+        <a:xfrm>
+          <a:off x="0" y="0"/>
+          <a:ext cx="0" cy="0"/>
+          <a:chOff x="0" y="0"/>
+          <a:chExt cx="0" cy="0"/>
+        </a:xfrm>
+      </p:grpSpPr>
+      <p:sp>
+        <p:nvSpPr>
+          <p:cNvPr id="2" name="Slide Image Placeholder 1"/>
+          <p:cNvSpPr>
+            <a:spLocks noGrp="1" noRot="1" noChangeAspect="1"/>
+          </p:cNvSpPr>
+          <p:nvPr>
+            <p:ph type="sldImg"/>
+          </p:nvPr>
+        </p:nvSpPr>
+        <p:spPr/>
+      </p:sp>
+      <p:sp>
+        <p:nvSpPr>
+          <p:cNvPr id="3" name="Notes Placeholder 2"/>
+          <p:cNvSpPr>
+            <a:spLocks noGrp="1"/>
+          </p:cNvSpPr>
+          <p:nvPr>
+            <p:ph type="body" idx="1"/>
+          </p:nvPr>
+        </p:nvSpPr>
+        <p:spPr/>
+        <p:txBody>
+          <a:bodyPr/>
+          <a:lstStyle/>
+          <a:p>
+            <a:pPr marL="0" marR="0" lvl="0" indent="0" algn="l" defTabSz="914400" rtl="0" eaLnBrk="1" fontAlgn="auto" latinLnBrk="0" hangingPunct="1">
+              <a:lnSpc>
+                <a:spcPct val="100000"/>
+              </a:lnSpc>
+              <a:spcBef>
+                <a:spcPts val="0"/>
+              </a:spcBef>
+              <a:spcAft>
+                <a:spcPts val="0"/>
+              </a:spcAft>
+              <a:buClrTx/>
+              <a:buSzTx/>
+              <a:buFontTx/>
+              <a:buNone/>
+              <a:tabLst/>
+              <a:defRPr/>
+            </a:pPr>
+            <a:r>
+              <a:rPr lang="en-GB" dirty="0" smtClean="0"/>
+              <a:t>Focusing on the bottom</a:t>
+            </a:r>
+            <a:r>
+              <a:rPr lang="en-GB" baseline="0" dirty="0" smtClean="0"/>
+              <a:t> six which are all variants of the PSO algorithm, they try achieve the following:</a:t>
+            </a:r>
+          </a:p>
+          <a:p>
+            <a:endParaRPr lang="en-GB" dirty="0" smtClean="0"/>
+          </a:p>
+          <a:p>
+            <a:r>
+              <a:rPr lang="en-GB" dirty="0" smtClean="0"/>
+              <a:t>PSO-del, PSO-a, PSO-p, or PSO-mem only take into consideration delay, area,</a:t>
+            </a:r>
+            <a:r>
+              <a:rPr lang="en-GB" baseline="0" dirty="0" smtClean="0"/>
+              <a:t> power or memory separately, to see if optimizing by any one of these is better than optimizing by another.</a:t>
+            </a:r>
+            <a:endParaRPr lang="en-GB" dirty="0" smtClean="0"/>
+          </a:p>
+          <a:p>
+            <a:endParaRPr lang="en-GB" dirty="0" smtClean="0"/>
+          </a:p>
+          <a:p>
+            <a:r>
+              <a:rPr lang="en-GB" dirty="0" smtClean="0"/>
+              <a:t>PSO-a</a:t>
+            </a:r>
+            <a:r>
+              <a:rPr lang="en-GB" baseline="0" dirty="0" smtClean="0"/>
+              <a:t> focuses on optimizing area usage and PSO-p with power usage produce the same result, this is because they both focus on moving nodes to software while adhering to the constraints of power and number of processors.</a:t>
+            </a:r>
+            <a:endParaRPr lang="en-GB" dirty="0" smtClean="0"/>
+          </a:p>
+          <a:p>
+            <a:endParaRPr lang="en-GB" dirty="0" smtClean="0"/>
+          </a:p>
+          <a:p>
+            <a:r>
+              <a:rPr lang="en-GB" sz="1200" dirty="0" smtClean="0"/>
+              <a:t>PSO-del focuses on reducing</a:t>
+            </a:r>
+            <a:r>
+              <a:rPr lang="en-GB" sz="1200" baseline="0" dirty="0" smtClean="0"/>
+              <a:t> </a:t>
+            </a:r>
+            <a:r>
+              <a:rPr lang="en-GB" sz="1200" dirty="0" smtClean="0"/>
+              <a:t>delay and PSO-mem focuses on reducing the memory usage,</a:t>
+            </a:r>
+            <a:r>
+              <a:rPr lang="en-GB" sz="1200" baseline="0" dirty="0" smtClean="0"/>
+              <a:t> they both do this by trying to move nodes to hardware this is why there results are similar.</a:t>
+            </a:r>
+          </a:p>
+          <a:p>
+            <a:endParaRPr lang="en-GB" sz="1200" baseline="0" dirty="0" smtClean="0"/>
+          </a:p>
+          <a:p>
+            <a:pPr marL="0" marR="0" lvl="0" indent="0" algn="l" defTabSz="914400" rtl="0" eaLnBrk="1" fontAlgn="auto" latinLnBrk="0" hangingPunct="1">
+              <a:lnSpc>
+                <a:spcPct val="100000"/>
+              </a:lnSpc>
+              <a:spcBef>
+                <a:spcPts val="0"/>
+              </a:spcBef>
+              <a:spcAft>
+                <a:spcPts val="0"/>
+              </a:spcAft>
+              <a:buClrTx/>
+              <a:buSzTx/>
+              <a:buFontTx/>
+              <a:buNone/>
+              <a:tabLst/>
+              <a:defRPr/>
+            </a:pPr>
+            <a:r>
+              <a:rPr lang="en-GB" sz="1200" dirty="0" smtClean="0"/>
+              <a:t>PSO-</a:t>
+            </a:r>
+            <a:r>
+              <a:rPr lang="en-GB" sz="1200" dirty="0" err="1" smtClean="0"/>
+              <a:t>NoProc</a:t>
+            </a:r>
+            <a:r>
+              <a:rPr lang="en-GB" sz="1200" dirty="0" smtClean="0"/>
+              <a:t> is used to determine the optimum about of parallel processors to be used in the design, when you compare the results of this to</a:t>
+            </a:r>
+            <a:r>
+              <a:rPr lang="en-GB" sz="1200" baseline="0" dirty="0" smtClean="0"/>
+              <a:t> the results of the others. </a:t>
+            </a:r>
+          </a:p>
+          <a:p>
+            <a:r>
+              <a:rPr lang="en-GB" sz="1200" dirty="0" smtClean="0"/>
+              <a:t>Comparing PSO-</a:t>
+            </a:r>
+            <a:r>
+              <a:rPr lang="en-GB" sz="1200" dirty="0" err="1" smtClean="0"/>
+              <a:t>NoProc</a:t>
+            </a:r>
+            <a:r>
+              <a:rPr lang="en-GB" sz="1200" dirty="0" smtClean="0"/>
+              <a:t> and PSO-mem you can see the main differences between doing things in parallel with hardware and software</a:t>
+            </a:r>
+          </a:p>
+          <a:p>
+            <a:r>
+              <a:rPr lang="en-GB" sz="1200" dirty="0" smtClean="0"/>
+              <a:t>No-Proc,</a:t>
+            </a:r>
+            <a:r>
+              <a:rPr lang="en-GB" sz="1200" baseline="0" dirty="0" smtClean="0"/>
+              <a:t> has much more processing power so can do more software tasks in parallel, it also uses the least amount of power when compared against all methods, since it is not using a lot of hardware components.</a:t>
+            </a:r>
+          </a:p>
+          <a:p>
+            <a:r>
+              <a:rPr lang="en-GB" sz="1200" baseline="0" dirty="0" smtClean="0"/>
+              <a:t>Mem achieves fastest execution time but it comes at the cost of using a very high amount of power, this is because the more hardware you use the more power you use. It uses less memory since more functions are completed on separate hardware modules.</a:t>
+            </a:r>
+          </a:p>
+        </p:txBody>
+      </p:sp>
+      <p:sp>
+        <p:nvSpPr>
+          <p:cNvPr id="4" name="Slide Number Placeholder 3"/>
+          <p:cNvSpPr>
+            <a:spLocks noGrp="1"/>
+          </p:cNvSpPr>
+          <p:nvPr>
+            <p:ph type="sldNum" sz="quarter" idx="10"/>
+          </p:nvPr>
+        </p:nvSpPr>
+        <p:spPr/>
+        <p:txBody>
+          <a:bodyPr/>
+          <a:lstStyle/>
+          <a:p>
+            <a:fld id="{8F10CEB8-BB87-4DEA-B297-2F16A573BD8C}" type="slidenum">
+              <a:rPr lang="en-GB" smtClean="0"/>
+              <a:t>11</a:t>
+            </a:fld>
+            <a:endParaRPr lang="en-GB"/>
+          </a:p>
+        </p:txBody>
+      </p:sp>
+    </p:spTree>
+    <p:extLst>
+      <p:ext uri="{BB962C8B-B14F-4D97-AF65-F5344CB8AC3E}">
+        <p14:creationId xmlns:p14="http://schemas.microsoft.com/office/powerpoint/2010/main" val="4219905803"/>
+      </p:ext>
+    </p:extLst>
+  </p:cSld>
+  <p:clrMapOvr>
+    <a:masterClrMapping/>
+  </p:clrMapOvr>
+</p:notes>
+</file>
+
+<file path=ppt/notesSlides/notesSlide12.xml><?xml version="1.0" encoding="utf-8"?>
+<p:notes xmlns:a="http://schemas.openxmlformats.org/drawingml/2006/main" xmlns:r="http://schemas.openxmlformats.org/officeDocument/2006/relationships" xmlns:p="http://schemas.openxmlformats.org/presentationml/2006/main">
+  <p:cSld>
+    <p:spTree>
+      <p:nvGrpSpPr>
+        <p:cNvPr id="1" name=""/>
+        <p:cNvGrpSpPr/>
+        <p:nvPr/>
+      </p:nvGrpSpPr>
+      <p:grpSpPr>
+        <a:xfrm>
+          <a:off x="0" y="0"/>
+          <a:ext cx="0" cy="0"/>
+          <a:chOff x="0" y="0"/>
+          <a:chExt cx="0" cy="0"/>
+        </a:xfrm>
+      </p:grpSpPr>
+      <p:sp>
+        <p:nvSpPr>
+          <p:cNvPr id="2" name="Slide Image Placeholder 1"/>
+          <p:cNvSpPr>
+            <a:spLocks noGrp="1" noRot="1" noChangeAspect="1"/>
+          </p:cNvSpPr>
+          <p:nvPr>
+            <p:ph type="sldImg"/>
+          </p:nvPr>
+        </p:nvSpPr>
+        <p:spPr/>
+      </p:sp>
+      <p:sp>
+        <p:nvSpPr>
+          <p:cNvPr id="3" name="Notes Placeholder 2"/>
+          <p:cNvSpPr>
+            <a:spLocks noGrp="1"/>
+          </p:cNvSpPr>
+          <p:nvPr>
+            <p:ph type="body" idx="1"/>
+          </p:nvPr>
+        </p:nvSpPr>
+        <p:spPr/>
+        <p:txBody>
+          <a:bodyPr/>
+          <a:lstStyle/>
+          <a:p>
+            <a:endParaRPr lang="en-GB" dirty="0"/>
+          </a:p>
+        </p:txBody>
+      </p:sp>
+      <p:sp>
+        <p:nvSpPr>
+          <p:cNvPr id="4" name="Slide Number Placeholder 3"/>
+          <p:cNvSpPr>
+            <a:spLocks noGrp="1"/>
+          </p:cNvSpPr>
+          <p:nvPr>
+            <p:ph type="sldNum" sz="quarter" idx="10"/>
+          </p:nvPr>
+        </p:nvSpPr>
+        <p:spPr/>
+        <p:txBody>
+          <a:bodyPr/>
+          <a:lstStyle/>
+          <a:p>
+            <a:fld id="{8F10CEB8-BB87-4DEA-B297-2F16A573BD8C}" type="slidenum">
+              <a:rPr lang="en-GB" smtClean="0"/>
+              <a:t>12</a:t>
+            </a:fld>
+            <a:endParaRPr lang="en-GB"/>
+          </a:p>
+        </p:txBody>
+      </p:sp>
+    </p:spTree>
+    <p:extLst>
+      <p:ext uri="{BB962C8B-B14F-4D97-AF65-F5344CB8AC3E}">
+        <p14:creationId xmlns:p14="http://schemas.microsoft.com/office/powerpoint/2010/main" val="2468880114"/>
+      </p:ext>
+    </p:extLst>
+  </p:cSld>
+  <p:clrMapOvr>
+    <a:masterClrMapping/>
+  </p:clrMapOvr>
+</p:notes>
+</file>
+
+<file path=ppt/notesSlides/notesSlide13.xml><?xml version="1.0" encoding="utf-8"?>
+<p:notes xmlns:a="http://schemas.openxmlformats.org/drawingml/2006/main" xmlns:r="http://schemas.openxmlformats.org/officeDocument/2006/relationships" xmlns:p="http://schemas.openxmlformats.org/presentationml/2006/main">
+  <p:cSld>
+    <p:spTree>
+      <p:nvGrpSpPr>
+        <p:cNvPr id="1" name=""/>
+        <p:cNvGrpSpPr/>
+        <p:nvPr/>
+      </p:nvGrpSpPr>
+      <p:grpSpPr>
+        <a:xfrm>
+          <a:off x="0" y="0"/>
+          <a:ext cx="0" cy="0"/>
+          <a:chOff x="0" y="0"/>
+          <a:chExt cx="0" cy="0"/>
+        </a:xfrm>
+      </p:grpSpPr>
+      <p:sp>
+        <p:nvSpPr>
+          <p:cNvPr id="2" name="Slide Image Placeholder 1"/>
+          <p:cNvSpPr>
+            <a:spLocks noGrp="1" noRot="1" noChangeAspect="1"/>
+          </p:cNvSpPr>
+          <p:nvPr>
+            <p:ph type="sldImg"/>
+          </p:nvPr>
+        </p:nvSpPr>
+        <p:spPr/>
+      </p:sp>
+      <p:sp>
+        <p:nvSpPr>
+          <p:cNvPr id="3" name="Notes Placeholder 2"/>
+          <p:cNvSpPr>
+            <a:spLocks noGrp="1"/>
+          </p:cNvSpPr>
+          <p:nvPr>
+            <p:ph type="body" idx="1"/>
+          </p:nvPr>
+        </p:nvSpPr>
+        <p:spPr/>
+        <p:txBody>
+          <a:bodyPr/>
+          <a:lstStyle/>
+          <a:p>
+            <a:endParaRPr lang="en-GB" dirty="0"/>
+          </a:p>
+        </p:txBody>
+      </p:sp>
+      <p:sp>
+        <p:nvSpPr>
+          <p:cNvPr id="4" name="Slide Number Placeholder 3"/>
+          <p:cNvSpPr>
+            <a:spLocks noGrp="1"/>
+          </p:cNvSpPr>
+          <p:nvPr>
+            <p:ph type="sldNum" sz="quarter" idx="10"/>
+          </p:nvPr>
+        </p:nvSpPr>
+        <p:spPr/>
+        <p:txBody>
+          <a:bodyPr/>
+          <a:lstStyle/>
+          <a:p>
+            <a:fld id="{8F10CEB8-BB87-4DEA-B297-2F16A573BD8C}" type="slidenum">
+              <a:rPr lang="en-GB" smtClean="0"/>
+              <a:t>13</a:t>
+            </a:fld>
+            <a:endParaRPr lang="en-GB"/>
+          </a:p>
+        </p:txBody>
+      </p:sp>
+    </p:spTree>
+    <p:extLst>
+      <p:ext uri="{BB962C8B-B14F-4D97-AF65-F5344CB8AC3E}">
+        <p14:creationId xmlns:p14="http://schemas.microsoft.com/office/powerpoint/2010/main" val="1185495036"/>
       </p:ext>
     </p:extLst>
   </p:cSld>
@@ -1291,50 +1799,62 @@
             </a:pPr>
             <a:r>
               <a:rPr lang="en-GB" b="1" dirty="0" smtClean="0"/>
-              <a:t>Cost of communication between nodes/threads</a:t>
-            </a:r>
-          </a:p>
-          <a:p>
+              <a:t>Using a PSO to solve partitioning of hardware and software design in programmable devices</a:t>
+            </a:r>
+          </a:p>
+          <a:p>
+            <a:r>
+              <a:rPr lang="en-GB" baseline="0" dirty="0" smtClean="0"/>
+              <a:t>Since we are limited on time this is a very brief overview of PSO, just for perspective.</a:t>
+            </a:r>
+          </a:p>
+          <a:p>
+            <a:r>
+              <a:rPr lang="en-GB" baseline="0" dirty="0" smtClean="0"/>
+              <a:t>PSO is an algorithm inspired by animal social behaviour like bird flocks, birds try to find food together, once some food as been found in specific area more birds look in that area. In technical terms a potential solutions move around following the path of the current best solutions.</a:t>
+            </a:r>
+          </a:p>
+          <a:p>
+            <a:r>
+              <a:rPr lang="en-GB" baseline="0" dirty="0" smtClean="0"/>
+              <a:t>In technical terms, based on the latest solution with highest results we use a similar data set to generate more results in that area until one is optimal solution is found.</a:t>
+            </a:r>
+          </a:p>
+          <a:p>
+            <a:pPr lvl="0"/>
             <a:r>
               <a:rPr lang="en-GB" dirty="0" smtClean="0"/>
-              <a:t>When generating a</a:t>
-            </a:r>
-            <a:r>
-              <a:rPr lang="en-GB" baseline="0" dirty="0" smtClean="0"/>
-              <a:t> design, the program considers how many nodes or threads to use. When using multiple nodes, if they are accessing the same parts of memory then there can be overhead which occurs when one node has to wait for another to finish its memory read/write. If a lot of overlap occurs this can increase the time and therefore the cost of operations the program has to complete.</a:t>
-            </a:r>
+              <a:t>Generate set of solutions with random amount of serial nodes, parallel nodes and level of power implementation</a:t>
+            </a:r>
+          </a:p>
+          <a:p>
+            <a:pPr lvl="0"/>
+            <a:r>
+              <a:rPr lang="en-GB" dirty="0" smtClean="0"/>
+              <a:t>After each round based best performances, generate new set with similar amounts</a:t>
+            </a:r>
+          </a:p>
+          <a:p>
+            <a:pPr lvl="0"/>
+            <a:r>
+              <a:rPr lang="en-GB" dirty="0" smtClean="0"/>
+              <a:t>Keep repeating until optimal solution is found or set number of rounds is met</a:t>
+            </a:r>
+          </a:p>
+          <a:p>
+            <a:pPr lvl="1"/>
+            <a:endParaRPr lang="en-GB" dirty="0" smtClean="0"/>
+          </a:p>
+          <a:p>
+            <a:pPr lvl="0"/>
+            <a:endParaRPr lang="en-GB" dirty="0" smtClean="0"/>
+          </a:p>
+          <a:p>
+            <a:pPr lvl="0"/>
+            <a:endParaRPr lang="en-GB" dirty="0" smtClean="0"/>
           </a:p>
           <a:p>
             <a:endParaRPr lang="en-GB" baseline="0" dirty="0" smtClean="0"/>
-          </a:p>
-          <a:p>
-            <a:r>
-              <a:rPr lang="en-GB" dirty="0" smtClean="0"/>
-              <a:t>If the</a:t>
-            </a:r>
-            <a:r>
-              <a:rPr lang="en-GB" baseline="0" dirty="0" smtClean="0"/>
-              <a:t> optimal software design including nodes working across a cluster, then a communication cost has to be considered since you have to allow for time between these nodes, having different threads on the same CPU is faster than having different nodes operating over a network, when the task is not extensive but when you have a very extensive task you may need to consider using the power of multiple pieces of hardware.</a:t>
-            </a:r>
-          </a:p>
-          <a:p>
-            <a:endParaRPr lang="en-GB" baseline="0" dirty="0" smtClean="0"/>
-          </a:p>
-          <a:p>
-            <a:r>
-              <a:rPr lang="en-GB" baseline="0" dirty="0" smtClean="0"/>
-              <a:t>Another factor which is considered, when adding more hardware to work in parallel is power consumption cost, there may be a limit on how much power a system can use. When considering software optimization power is not as important factor but may be considered if its limited in a low power embedded system.</a:t>
-            </a:r>
-          </a:p>
-          <a:p>
-            <a:endParaRPr lang="en-GB" baseline="0" dirty="0" smtClean="0"/>
-          </a:p>
-          <a:p>
-            <a:r>
-              <a:rPr lang="en-GB" dirty="0" smtClean="0"/>
-              <a:t>Using more hardware in parallel increases area cost, meaning number of logical elements or CPU area may be limiting factor</a:t>
-            </a:r>
-            <a:endParaRPr lang="en-GB" dirty="0"/>
           </a:p>
         </p:txBody>
       </p:sp>
@@ -1364,7 +1884,7 @@
     </p:spTree>
     <p:extLst>
       <p:ext uri="{BB962C8B-B14F-4D97-AF65-F5344CB8AC3E}">
-        <p14:creationId xmlns:p14="http://schemas.microsoft.com/office/powerpoint/2010/main" val="799784090"/>
+        <p14:creationId xmlns:p14="http://schemas.microsoft.com/office/powerpoint/2010/main" val="656845009"/>
       </p:ext>
     </p:extLst>
   </p:cSld>
@@ -1418,35 +1938,6 @@
           <a:bodyPr/>
           <a:lstStyle/>
           <a:p>
-            <a:r>
-              <a:rPr lang="en-GB" baseline="0" dirty="0" smtClean="0"/>
-              <a:t>There are four communication types to be considered when generating a cost model.</a:t>
-            </a:r>
-          </a:p>
-          <a:p>
-            <a:endParaRPr lang="en-GB" baseline="0" dirty="0" smtClean="0"/>
-          </a:p>
-          <a:p>
-            <a:r>
-              <a:rPr lang="en-GB" dirty="0" smtClean="0"/>
-              <a:t>Hardware</a:t>
-            </a:r>
-            <a:r>
-              <a:rPr lang="en-GB" baseline="0" dirty="0" smtClean="0"/>
-              <a:t> and software communications can be separated four ways:</a:t>
-            </a:r>
-          </a:p>
-          <a:p>
-            <a:r>
-              <a:rPr lang="en-GB" dirty="0" smtClean="0"/>
-              <a:t>Point-to-point communications</a:t>
-            </a:r>
-            <a:r>
-              <a:rPr lang="en-GB" baseline="0" dirty="0" smtClean="0"/>
-              <a:t> which means nodes connecting directly to one another</a:t>
-            </a:r>
-          </a:p>
-          <a:p>
             <a:pPr marL="0" marR="0" lvl="0" indent="0" algn="l" defTabSz="914400" rtl="0" eaLnBrk="1" fontAlgn="auto" latinLnBrk="0" hangingPunct="1">
               <a:lnSpc>
                 <a:spcPct val="100000"/>
@@ -1465,145 +1956,55 @@
               <a:defRPr/>
             </a:pPr>
             <a:r>
-              <a:rPr lang="en-GB" sz="1200" dirty="0" smtClean="0"/>
-              <a:t>Bus-based communications which</a:t>
-            </a:r>
-            <a:r>
-              <a:rPr lang="en-GB" sz="1200" baseline="0" dirty="0" smtClean="0"/>
-              <a:t> means nodes/threads communicating over system bus</a:t>
-            </a:r>
+              <a:rPr lang="en-GB" b="1" dirty="0" smtClean="0"/>
+              <a:t>Cost of communication between nodes/threads</a:t>
+            </a:r>
+          </a:p>
+          <a:p>
+            <a:r>
+              <a:rPr lang="en-GB" dirty="0" smtClean="0"/>
+              <a:t>When generating a</a:t>
+            </a:r>
+            <a:r>
+              <a:rPr lang="en-GB" baseline="0" dirty="0" smtClean="0"/>
+              <a:t> design, the program considers how many nodes or threads to use. When using multiple nodes, if they are accessing the same parts of memory then there can be overhead which occurs when one node has to wait for another to finish its memory read/write. If a lot of overlap occurs this can increase the time and therefore the cost of operations the program has to complete.</a:t>
+            </a:r>
+          </a:p>
+          <a:p>
+            <a:endParaRPr lang="en-GB" baseline="0" dirty="0" smtClean="0"/>
+          </a:p>
+          <a:p>
+            <a:r>
+              <a:rPr lang="en-GB" dirty="0" smtClean="0"/>
+              <a:t>If the</a:t>
+            </a:r>
+            <a:r>
+              <a:rPr lang="en-GB" baseline="0" dirty="0" smtClean="0"/>
+              <a:t> optimal software design including nodes working across a cluster, then a communication cost has to be considered since you have to allow for time between these nodes, having different threads on the same CPU is faster than having different nodes operating over a network, when the task is not extensive but when you have a very extensive task you may need to consider using the power of multiple pieces of hardware.</a:t>
+            </a:r>
+          </a:p>
+          <a:p>
+            <a:endParaRPr lang="en-GB" baseline="0" dirty="0" smtClean="0"/>
+          </a:p>
+          <a:p>
+            <a:r>
+              <a:rPr lang="en-GB" baseline="0" dirty="0" smtClean="0"/>
+              <a:t>Another factor which is considered, when adding more hardware to work in parallel is power consumption cost, there may be a limit on how much power a system can use. When considering software optimization power is not as important factor but may be considered if its limited in a low power embedded system.</a:t>
+            </a:r>
+          </a:p>
+          <a:p>
+            <a:r>
+              <a:rPr lang="en-GB" dirty="0" smtClean="0"/>
+              <a:t>Using more hardware in parallel increases area cost, meaning number of logical elements or CPU area may be limiting factor</a:t>
+            </a:r>
+          </a:p>
+          <a:p>
             <a:endParaRPr lang="en-GB" dirty="0" smtClean="0"/>
           </a:p>
           <a:p>
             <a:r>
               <a:rPr lang="en-GB" dirty="0" smtClean="0"/>
-              <a:t>Shared memory communications which is when nodes/threads</a:t>
-            </a:r>
-            <a:r>
-              <a:rPr lang="en-GB" baseline="0" dirty="0" smtClean="0"/>
-              <a:t> use the same memory area, important to note when accessing area of memory the node must lock it off to avoid corruption. </a:t>
-            </a:r>
-            <a:endParaRPr lang="en-GB" dirty="0" smtClean="0"/>
-          </a:p>
-          <a:p>
-            <a:r>
-              <a:rPr lang="en-GB" dirty="0" smtClean="0"/>
-              <a:t>Network-based communications,</a:t>
-            </a:r>
-            <a:r>
-              <a:rPr lang="en-GB" baseline="0" dirty="0" smtClean="0"/>
-              <a:t> for when nodes communicate over the network.</a:t>
-            </a:r>
-          </a:p>
-          <a:p>
-            <a:endParaRPr lang="en-GB" dirty="0" smtClean="0"/>
-          </a:p>
-          <a:p>
-            <a:pPr marL="0" marR="0" lvl="0" indent="0" algn="l" defTabSz="914400" rtl="0" eaLnBrk="1" fontAlgn="auto" latinLnBrk="0" hangingPunct="1">
-              <a:lnSpc>
-                <a:spcPct val="100000"/>
-              </a:lnSpc>
-              <a:spcBef>
-                <a:spcPts val="0"/>
-              </a:spcBef>
-              <a:spcAft>
-                <a:spcPts val="0"/>
-              </a:spcAft>
-              <a:buClrTx/>
-              <a:buSzTx/>
-              <a:buFontTx/>
-              <a:buNone/>
-              <a:tabLst/>
-              <a:defRPr/>
-            </a:pPr>
-            <a:r>
-              <a:rPr lang="en-GB" dirty="0" smtClean="0"/>
-              <a:t>Here</a:t>
-            </a:r>
-            <a:r>
-              <a:rPr lang="en-GB" baseline="0" dirty="0" smtClean="0"/>
-              <a:t> is an example of some cost modelling results.</a:t>
-            </a:r>
-          </a:p>
-          <a:p>
-            <a:endParaRPr lang="en-GB" dirty="0" smtClean="0"/>
-          </a:p>
-          <a:p>
-            <a:r>
-              <a:rPr lang="en-GB" dirty="0" smtClean="0"/>
-              <a:t>The</a:t>
-            </a:r>
-            <a:r>
-              <a:rPr lang="en-GB" baseline="0" dirty="0" smtClean="0"/>
-              <a:t> serial line shows us the use of the least amount of area, but highest delay cost since it takes longer and a very low communication cost since there are only serial hardware nodes. </a:t>
-            </a:r>
-          </a:p>
-          <a:p>
-            <a:r>
-              <a:rPr lang="en-GB" baseline="0" dirty="0" smtClean="0"/>
-              <a:t>The parallel line shows the highest area cost, and lower delay meaning it completed in less clock cycles than previous. The biggest downside is the communication cost since there are a lot of nodes there has to be a lot of communication.</a:t>
-            </a:r>
-          </a:p>
-          <a:p>
-            <a:r>
-              <a:rPr lang="en-GB" baseline="0" dirty="0" smtClean="0"/>
-              <a:t>The proposed method shows the optimal amount of nodes to use to have the lowest delay cost. by having less nodes less communication occurred which allowed operations to compete faster.</a:t>
-            </a:r>
-            <a:endParaRPr lang="en-GB" dirty="0" smtClean="0"/>
-          </a:p>
-          <a:p>
-            <a:endParaRPr lang="en-GB" dirty="0" smtClean="0"/>
-          </a:p>
-          <a:p>
-            <a:endParaRPr lang="en-GB" dirty="0" smtClean="0"/>
-          </a:p>
-          <a:p>
-            <a:endParaRPr lang="en-GB" dirty="0" smtClean="0"/>
-          </a:p>
-          <a:p>
-            <a:endParaRPr lang="en-GB" dirty="0" smtClean="0"/>
-          </a:p>
-          <a:p>
-            <a:endParaRPr lang="en-GB" dirty="0" smtClean="0"/>
-          </a:p>
-          <a:p>
-            <a:r>
-              <a:rPr lang="en-GB" dirty="0" err="1" smtClean="0"/>
-              <a:t>Jigang</a:t>
-            </a:r>
-            <a:r>
-              <a:rPr lang="en-GB" dirty="0" smtClean="0"/>
-              <a:t> W, </a:t>
-            </a:r>
-            <a:r>
-              <a:rPr lang="en-GB" dirty="0" err="1" smtClean="0"/>
-              <a:t>Srikanthan</a:t>
-            </a:r>
-            <a:r>
-              <a:rPr lang="en-GB" dirty="0" smtClean="0"/>
-              <a:t> T, </a:t>
-            </a:r>
-            <a:r>
-              <a:rPr lang="en-GB" dirty="0" err="1" smtClean="0"/>
-              <a:t>Chaen</a:t>
-            </a:r>
-            <a:r>
-              <a:rPr lang="en-GB" dirty="0" smtClean="0"/>
-              <a:t> G (2010) Algorithmic aspects of hardware/software partitioning: 1D</a:t>
-            </a:r>
-          </a:p>
-          <a:p>
-            <a:r>
-              <a:rPr lang="en-GB" dirty="0" smtClean="0"/>
-              <a:t>search algorithms. IEEE Trans </a:t>
-            </a:r>
-            <a:r>
-              <a:rPr lang="en-GB" dirty="0" err="1" smtClean="0"/>
-              <a:t>Comput</a:t>
-            </a:r>
-            <a:r>
-              <a:rPr lang="en-GB" dirty="0" smtClean="0"/>
-              <a:t> 59(4):532–544</a:t>
+              <a:t>Serial hardware implementation cost: the cost of implementing the node in serialized hardware (i.e., area) as well as its associated latency (in clock cycles). Parallel hardware implementation cost: the cost of implementing the node in parallel hardware (i.e., area) as well as its associated latency (in clock cycles). Software implementation cost: the cost of implementing the node in software (i.e., execution clock cycles and the CPU area). Communication cost: the cost of the edge if it crosses the boundary between the HW and the SW sides, i.e., interface area and delay, SW driver delay and shared memory size</a:t>
             </a:r>
             <a:endParaRPr lang="en-GB" dirty="0"/>
           </a:p>
@@ -1635,7 +2036,7 @@
     </p:spTree>
     <p:extLst>
       <p:ext uri="{BB962C8B-B14F-4D97-AF65-F5344CB8AC3E}">
-        <p14:creationId xmlns:p14="http://schemas.microsoft.com/office/powerpoint/2010/main" val="256530993"/>
+        <p14:creationId xmlns:p14="http://schemas.microsoft.com/office/powerpoint/2010/main" val="799784090"/>
       </p:ext>
     </p:extLst>
   </p:cSld>
@@ -1689,6 +2090,35 @@
           <a:bodyPr/>
           <a:lstStyle/>
           <a:p>
+            <a:r>
+              <a:rPr lang="en-GB" baseline="0" dirty="0" smtClean="0"/>
+              <a:t>There are four communication types to be considered when generating a cost model.</a:t>
+            </a:r>
+          </a:p>
+          <a:p>
+            <a:endParaRPr lang="en-GB" baseline="0" dirty="0" smtClean="0"/>
+          </a:p>
+          <a:p>
+            <a:r>
+              <a:rPr lang="en-GB" dirty="0" smtClean="0"/>
+              <a:t>Hardware</a:t>
+            </a:r>
+            <a:r>
+              <a:rPr lang="en-GB" baseline="0" dirty="0" smtClean="0"/>
+              <a:t> and software communications can be separated four ways:</a:t>
+            </a:r>
+          </a:p>
+          <a:p>
+            <a:r>
+              <a:rPr lang="en-GB" dirty="0" smtClean="0"/>
+              <a:t>Point-to-point communications</a:t>
+            </a:r>
+            <a:r>
+              <a:rPr lang="en-GB" baseline="0" dirty="0" smtClean="0"/>
+              <a:t> which means nodes connecting directly to one another</a:t>
+            </a:r>
+          </a:p>
+          <a:p>
             <a:pPr marL="0" marR="0" lvl="0" indent="0" algn="l" defTabSz="914400" rtl="0" eaLnBrk="1" fontAlgn="auto" latinLnBrk="0" hangingPunct="1">
               <a:lnSpc>
                 <a:spcPct val="100000"/>
@@ -1707,55 +2137,145 @@
               <a:defRPr/>
             </a:pPr>
             <a:r>
-              <a:rPr lang="en-GB" b="1" dirty="0" smtClean="0"/>
-              <a:t>Using a PSO to solve partitioning of hardware and software design in programmable devices</a:t>
-            </a:r>
-          </a:p>
-          <a:p>
+              <a:rPr lang="en-GB" sz="1200" dirty="0" smtClean="0"/>
+              <a:t>Bus-based communications which</a:t>
+            </a:r>
+            <a:r>
+              <a:rPr lang="en-GB" sz="1200" baseline="0" dirty="0" smtClean="0"/>
+              <a:t> means nodes/threads communicating over system bus</a:t>
+            </a:r>
+            <a:endParaRPr lang="en-GB" dirty="0" smtClean="0"/>
+          </a:p>
+          <a:p>
+            <a:r>
+              <a:rPr lang="en-GB" dirty="0" smtClean="0"/>
+              <a:t>Shared memory communications which is when nodes/threads</a:t>
+            </a:r>
             <a:r>
               <a:rPr lang="en-GB" baseline="0" dirty="0" smtClean="0"/>
-              <a:t>Very brief overview of PSO.</a:t>
-            </a:r>
-          </a:p>
-          <a:p>
+              <a:t> use the same memory area, important to note when accessing area of memory the node must lock it off to avoid corruption. </a:t>
+            </a:r>
+            <a:endParaRPr lang="en-GB" dirty="0" smtClean="0"/>
+          </a:p>
+          <a:p>
+            <a:r>
+              <a:rPr lang="en-GB" dirty="0" smtClean="0"/>
+              <a:t>Network-based communications,</a:t>
+            </a:r>
             <a:r>
               <a:rPr lang="en-GB" baseline="0" dirty="0" smtClean="0"/>
-              <a:t>PSO is an algorithm inspired by animal social behaviour like bird flocks, potential solutions move around following the path of the current best solutions.</a:t>
-            </a:r>
-          </a:p>
-          <a:p>
+              <a:t> for when nodes communicate over the network.</a:t>
+            </a:r>
+          </a:p>
+          <a:p>
+            <a:endParaRPr lang="en-GB" dirty="0" smtClean="0"/>
+          </a:p>
+          <a:p>
+            <a:pPr marL="0" marR="0" lvl="0" indent="0" algn="l" defTabSz="914400" rtl="0" eaLnBrk="1" fontAlgn="auto" latinLnBrk="0" hangingPunct="1">
+              <a:lnSpc>
+                <a:spcPct val="100000"/>
+              </a:lnSpc>
+              <a:spcBef>
+                <a:spcPts val="0"/>
+              </a:spcBef>
+              <a:spcAft>
+                <a:spcPts val="0"/>
+              </a:spcAft>
+              <a:buClrTx/>
+              <a:buSzTx/>
+              <a:buFontTx/>
+              <a:buNone/>
+              <a:tabLst/>
+              <a:defRPr/>
+            </a:pPr>
+            <a:r>
+              <a:rPr lang="en-GB" dirty="0" smtClean="0"/>
+              <a:t>Here</a:t>
+            </a:r>
             <a:r>
               <a:rPr lang="en-GB" baseline="0" dirty="0" smtClean="0"/>
-              <a:t>To solve the problem of hardware and software partitioning, solutions are randomly populated, then based on generated solution data which is exchanged the best solution can be narrowed down by following the currently looked at best solution.</a:t>
-            </a:r>
+              <a:t> is an example of some cost modelling results.</a:t>
+            </a:r>
+          </a:p>
+          <a:p>
             <a:endParaRPr lang="en-GB" dirty="0" smtClean="0"/>
           </a:p>
           <a:p>
+            <a:r>
+              <a:rPr lang="en-GB" dirty="0" smtClean="0"/>
+              <a:t>The</a:t>
+            </a:r>
+            <a:r>
+              <a:rPr lang="en-GB" baseline="0" dirty="0" smtClean="0"/>
+              <a:t> serial line shows us the use of the least amount of area, but highest delay cost since it takes longer and a very low communication cost since there are only serial hardware nodes. </a:t>
+            </a:r>
+          </a:p>
+          <a:p>
+            <a:r>
+              <a:rPr lang="en-GB" baseline="0" dirty="0" smtClean="0"/>
+              <a:t>The parallel line shows the highest area cost, and lower delay meaning it completed in less clock cycles than previous. The biggest downside is the communication cost since there are a lot of nodes there has to be a lot of communication.</a:t>
+            </a:r>
+          </a:p>
+          <a:p>
+            <a:r>
+              <a:rPr lang="en-GB" baseline="0" dirty="0" smtClean="0"/>
+              <a:t>The proposed method shows the optimal amount of nodes to use to have the lowest delay cost. by having less nodes less communication occurred which allowed operations to compete faster.</a:t>
+            </a:r>
             <a:endParaRPr lang="en-GB" dirty="0" smtClean="0"/>
           </a:p>
           <a:p>
-            <a:r>
-              <a:rPr lang="en-GB" b="1" dirty="0" smtClean="0"/>
-              <a:t>First</a:t>
-            </a:r>
-            <a:r>
-              <a:rPr lang="en-GB" b="1" baseline="0" dirty="0" smtClean="0"/>
-              <a:t> line of advantages of this methodology? </a:t>
-            </a:r>
-            <a:r>
-              <a:rPr lang="en-GB" b="1" baseline="0" smtClean="0"/>
-              <a:t>– TODO CHECK</a:t>
-            </a:r>
-            <a:endParaRPr lang="en-GB" b="1" dirty="0" smtClean="0"/>
-          </a:p>
-          <a:p>
+            <a:endParaRPr lang="en-GB" dirty="0" smtClean="0"/>
+          </a:p>
+          <a:p>
+            <a:endParaRPr lang="en-GB" dirty="0" smtClean="0"/>
+          </a:p>
+          <a:p>
+            <a:endParaRPr lang="en-GB" dirty="0" smtClean="0"/>
+          </a:p>
+          <a:p>
+            <a:endParaRPr lang="en-GB" dirty="0" smtClean="0"/>
+          </a:p>
+          <a:p>
+            <a:endParaRPr lang="en-GB" dirty="0" smtClean="0"/>
+          </a:p>
+          <a:p>
+            <a:r>
+              <a:rPr lang="en-GB" dirty="0" err="1" smtClean="0"/>
+              <a:t>Jigang</a:t>
+            </a:r>
             <a:r>
               <a:rPr lang="en-GB" dirty="0" smtClean="0"/>
-              <a:t>When deciding</a:t>
-            </a:r>
-            <a:r>
-              <a:rPr lang="en-GB" baseline="0" dirty="0" smtClean="0"/>
-              <a:t> how part of a product should work, this methodology helps you consider the advantages and disadvantages of both. For example choosing a software module are easier and faster to develop and change. Which means it costs less time and money to develop that module but hardware provides better performance.</a:t>
+              <a:t> W, </a:t>
+            </a:r>
+            <a:r>
+              <a:rPr lang="en-GB" dirty="0" err="1" smtClean="0"/>
+              <a:t>Srikanthan</a:t>
+            </a:r>
+            <a:r>
+              <a:rPr lang="en-GB" dirty="0" smtClean="0"/>
+              <a:t> T, </a:t>
+            </a:r>
+            <a:r>
+              <a:rPr lang="en-GB" dirty="0" err="1" smtClean="0"/>
+              <a:t>Chaen</a:t>
+            </a:r>
+            <a:r>
+              <a:rPr lang="en-GB" dirty="0" smtClean="0"/>
+              <a:t> G (2010) Algorithmic aspects of hardware/software partitioning: 1D</a:t>
+            </a:r>
+          </a:p>
+          <a:p>
+            <a:r>
+              <a:rPr lang="en-GB" dirty="0" smtClean="0"/>
+              <a:t>search algorithms. IEEE Trans </a:t>
+            </a:r>
+            <a:r>
+              <a:rPr lang="en-GB" dirty="0" err="1" smtClean="0"/>
+              <a:t>Comput</a:t>
+            </a:r>
+            <a:r>
+              <a:rPr lang="en-GB" dirty="0" smtClean="0"/>
+              <a:t> 59(4):532–544</a:t>
             </a:r>
             <a:endParaRPr lang="en-GB" dirty="0"/>
           </a:p>
@@ -1787,7 +2307,7 @@
     </p:spTree>
     <p:extLst>
       <p:ext uri="{BB962C8B-B14F-4D97-AF65-F5344CB8AC3E}">
-        <p14:creationId xmlns:p14="http://schemas.microsoft.com/office/powerpoint/2010/main" val="656845009"/>
+        <p14:creationId xmlns:p14="http://schemas.microsoft.com/office/powerpoint/2010/main" val="256530993"/>
       </p:ext>
     </p:extLst>
   </p:cSld>
@@ -1841,15 +2361,130 @@
           <a:bodyPr/>
           <a:lstStyle/>
           <a:p>
+            <a:endParaRPr lang="en-GB" dirty="0" smtClean="0"/>
+          </a:p>
+          <a:p>
             <a:r>
               <a:rPr lang="en-GB" dirty="0" smtClean="0"/>
-              <a:t>Example of improvements over</a:t>
+              <a:t>(If</a:t>
             </a:r>
             <a:r>
               <a:rPr lang="en-GB" baseline="0" dirty="0" smtClean="0"/>
-              <a:t> PSO runs, shows after first 10 there is a dramatic increase in optimal cost, the improvements after this are minimal. It shows what an effective solution this is.</a:t>
-            </a:r>
-            <a:endParaRPr lang="en-GB" dirty="0"/>
+              <a:t> presentation is to long remove this slide)</a:t>
+            </a:r>
+            <a:endParaRPr lang="en-GB" dirty="0" smtClean="0"/>
+          </a:p>
+          <a:p>
+            <a:endParaRPr lang="en-GB" dirty="0" smtClean="0"/>
+          </a:p>
+          <a:p>
+            <a:r>
+              <a:rPr lang="en-GB" dirty="0" smtClean="0"/>
+              <a:t>The input of the algorithm consists of a design, which contains certain amount of nodes each one has random cost values, each cost parameter is uniformly distributed.</a:t>
+            </a:r>
+          </a:p>
+          <a:p>
+            <a:endParaRPr lang="en-GB" dirty="0" smtClean="0"/>
+          </a:p>
+          <a:p>
+            <a:pPr marL="0" marR="0" lvl="0" indent="0" algn="l" defTabSz="914400" rtl="0" eaLnBrk="1" fontAlgn="auto" latinLnBrk="0" hangingPunct="1">
+              <a:lnSpc>
+                <a:spcPct val="100000"/>
+              </a:lnSpc>
+              <a:spcBef>
+                <a:spcPts val="0"/>
+              </a:spcBef>
+              <a:spcAft>
+                <a:spcPts val="0"/>
+              </a:spcAft>
+              <a:buClrTx/>
+              <a:buSzTx/>
+              <a:buFontTx/>
+              <a:buNone/>
+              <a:tabLst/>
+              <a:defRPr/>
+            </a:pPr>
+            <a:r>
+              <a:rPr lang="en-GB" dirty="0" smtClean="0"/>
+              <a:t>Cost range for hardware and software 1 to 99, cost range for power 1 to 9</a:t>
+            </a:r>
+          </a:p>
+          <a:p>
+            <a:endParaRPr lang="en-GB" dirty="0" smtClean="0"/>
+          </a:p>
+          <a:p>
+            <a:pPr marL="0" marR="0" lvl="0" indent="0" algn="l" defTabSz="914400" rtl="0" eaLnBrk="1" fontAlgn="auto" latinLnBrk="0" hangingPunct="1">
+              <a:lnSpc>
+                <a:spcPct val="100000"/>
+              </a:lnSpc>
+              <a:spcBef>
+                <a:spcPts val="0"/>
+              </a:spcBef>
+              <a:spcAft>
+                <a:spcPts val="0"/>
+              </a:spcAft>
+              <a:buClrTx/>
+              <a:buSzTx/>
+              <a:buFontTx/>
+              <a:buNone/>
+              <a:tabLst/>
+              <a:defRPr/>
+            </a:pPr>
+            <a:r>
+              <a:rPr lang="en-GB" dirty="0" smtClean="0"/>
+              <a:t>Possible solution consists of M amount of nodes, stored in a vector each node has an indication value showing if it’s implemented as hardware or software.</a:t>
+            </a:r>
+          </a:p>
+          <a:p>
+            <a:pPr marL="0" marR="0" lvl="0" indent="0" algn="l" defTabSz="914400" rtl="0" eaLnBrk="1" fontAlgn="auto" latinLnBrk="0" hangingPunct="1">
+              <a:lnSpc>
+                <a:spcPct val="100000"/>
+              </a:lnSpc>
+              <a:spcBef>
+                <a:spcPts val="0"/>
+              </a:spcBef>
+              <a:spcAft>
+                <a:spcPts val="0"/>
+              </a:spcAft>
+              <a:buClrTx/>
+              <a:buSzTx/>
+              <a:buFontTx/>
+              <a:buNone/>
+              <a:tabLst/>
+              <a:defRPr/>
+            </a:pPr>
+            <a:r>
+              <a:rPr lang="en-GB" dirty="0" smtClean="0"/>
+              <a:t>To</a:t>
+            </a:r>
+            <a:r>
+              <a:rPr lang="en-GB" baseline="0" dirty="0" smtClean="0"/>
+              <a:t> calculate overall cost value, we take the weighted sum of hardware, software and power cost multiplied by 100 to make it readable.</a:t>
+            </a:r>
+          </a:p>
+          <a:p>
+            <a:pPr marL="0" marR="0" lvl="0" indent="0" algn="l" defTabSz="914400" rtl="0" eaLnBrk="1" fontAlgn="auto" latinLnBrk="0" hangingPunct="1">
+              <a:lnSpc>
+                <a:spcPct val="100000"/>
+              </a:lnSpc>
+              <a:spcBef>
+                <a:spcPts val="0"/>
+              </a:spcBef>
+              <a:spcAft>
+                <a:spcPts val="0"/>
+              </a:spcAft>
+              <a:buClrTx/>
+              <a:buSzTx/>
+              <a:buFontTx/>
+              <a:buNone/>
+              <a:tabLst/>
+              <a:defRPr/>
+            </a:pPr>
+            <a:r>
+              <a:rPr lang="en-GB" baseline="0" dirty="0" smtClean="0"/>
+              <a:t>The result of each overall cost is stored in a vector to compare with other solutions.</a:t>
+            </a:r>
+            <a:endParaRPr lang="en-GB" dirty="0" smtClean="0"/>
           </a:p>
         </p:txBody>
       </p:sp>
@@ -1879,7 +2514,7 @@
     </p:spTree>
     <p:extLst>
       <p:ext uri="{BB962C8B-B14F-4D97-AF65-F5344CB8AC3E}">
-        <p14:creationId xmlns:p14="http://schemas.microsoft.com/office/powerpoint/2010/main" val="3680185190"/>
+        <p14:creationId xmlns:p14="http://schemas.microsoft.com/office/powerpoint/2010/main" val="1056499207"/>
       </p:ext>
     </p:extLst>
   </p:cSld>
@@ -1935,7 +2570,23 @@
           <a:p>
             <a:r>
               <a:rPr lang="en-GB" dirty="0" smtClean="0"/>
-              <a:t>What experiment</a:t>
+              <a:t>Worth noting that as apart</a:t>
+            </a:r>
+            <a:r>
+              <a:rPr lang="en-GB" baseline="0" dirty="0" smtClean="0"/>
+              <a:t> of this paper, a altered version of PSO is used.</a:t>
+            </a:r>
+          </a:p>
+          <a:p>
+            <a:r>
+              <a:rPr lang="en-GB" baseline="0" dirty="0" smtClean="0"/>
+              <a:t>This re-excited PSO works by starting over, with a new set of data well keeping the best result vectors from previous rounds, this is to allow further refinement.</a:t>
+            </a:r>
+          </a:p>
+          <a:p>
+            <a:r>
+              <a:rPr lang="en-GB" baseline="0" dirty="0" smtClean="0"/>
+              <a:t>Essentially just giving the data set new random positions well being aware of old best solution to determine if there are any better ones to be found.</a:t>
             </a:r>
           </a:p>
           <a:p>
@@ -1944,47 +2595,18 @@
           <a:p>
             <a:r>
               <a:rPr lang="en-GB" dirty="0" smtClean="0"/>
-              <a:t>How experiment created optimal parallel solution</a:t>
-            </a:r>
-          </a:p>
-          <a:p>
-            <a:endParaRPr lang="en-GB" dirty="0" smtClean="0"/>
-          </a:p>
-          <a:p>
-            <a:r>
-              <a:rPr lang="en-GB" dirty="0" smtClean="0"/>
-              <a:t>10/32 3.4 case study</a:t>
-            </a:r>
-          </a:p>
-          <a:p>
-            <a:endParaRPr lang="en-GB" dirty="0" smtClean="0"/>
-          </a:p>
-          <a:p>
-            <a:r>
-              <a:rPr lang="en-GB" dirty="0" smtClean="0"/>
-              <a:t>Explain JPEG coder case study</a:t>
-            </a:r>
-          </a:p>
-          <a:p>
-            <a:r>
-              <a:rPr lang="en-GB" dirty="0" smtClean="0"/>
-              <a:t>What it did, what the results were</a:t>
-            </a:r>
-          </a:p>
-          <a:p>
-            <a:r>
-              <a:rPr lang="en-GB" dirty="0" smtClean="0"/>
-              <a:t>How parallel computation effected/benefited results</a:t>
-            </a:r>
-          </a:p>
-          <a:p>
-            <a:r>
-              <a:rPr lang="en-GB" dirty="0" smtClean="0"/>
-              <a:t>Do this over two slides, figure out how it would take to present, add summary type slide if you need to extend time. Add UWE Harvard reference for pdf</a:t>
-            </a:r>
-          </a:p>
-          <a:p>
-            <a:endParaRPr lang="en-GB" dirty="0"/>
+              <a:t>Example of improvements over</a:t>
+            </a:r>
+            <a:r>
+              <a:rPr lang="en-GB" baseline="0" dirty="0" smtClean="0"/>
+              <a:t> PSO runs, shows after first 10 there is a dramatic increase in optimal cost, the improvements after this are minimal. It shows what an effective solution this is.</a:t>
+            </a:r>
+          </a:p>
+          <a:p>
+            <a:r>
+              <a:rPr lang="en-GB" baseline="0" dirty="0" smtClean="0"/>
+              <a:t>Using traditional PSO method, the cost would of ended up being 134 using re-excited method cost improved to 116.</a:t>
+            </a:r>
           </a:p>
         </p:txBody>
       </p:sp>
@@ -2014,7 +2636,7 @@
     </p:spTree>
     <p:extLst>
       <p:ext uri="{BB962C8B-B14F-4D97-AF65-F5344CB8AC3E}">
-        <p14:creationId xmlns:p14="http://schemas.microsoft.com/office/powerpoint/2010/main" val="791064387"/>
+        <p14:creationId xmlns:p14="http://schemas.microsoft.com/office/powerpoint/2010/main" val="3680185190"/>
       </p:ext>
     </p:extLst>
   </p:cSld>
@@ -2068,6 +2690,79 @@
           <a:bodyPr/>
           <a:lstStyle/>
           <a:p>
+            <a:pPr marL="0" marR="0" lvl="0" indent="0" algn="l" defTabSz="914400" rtl="0" eaLnBrk="1" fontAlgn="auto" latinLnBrk="0" hangingPunct="1">
+              <a:lnSpc>
+                <a:spcPct val="100000"/>
+              </a:lnSpc>
+              <a:spcBef>
+                <a:spcPts val="0"/>
+              </a:spcBef>
+              <a:spcAft>
+                <a:spcPts val="0"/>
+              </a:spcAft>
+              <a:buClrTx/>
+              <a:buSzTx/>
+              <a:buFontTx/>
+              <a:buNone/>
+              <a:tabLst/>
+              <a:defRPr/>
+            </a:pPr>
+            <a:r>
+              <a:rPr lang="en-GB" baseline="0" dirty="0" smtClean="0"/>
+              <a:t>Since this is a large paper I have chosen to cover the first of the two case studies which mainly focuses on re-excited PSO, rather than the second which focuses on the flexibility of the CUPSHOP tool as a whole.</a:t>
+            </a:r>
+            <a:endParaRPr lang="en-GB" dirty="0" smtClean="0"/>
+          </a:p>
+          <a:p>
+            <a:endParaRPr lang="en-GB" dirty="0" smtClean="0"/>
+          </a:p>
+          <a:p>
+            <a:r>
+              <a:rPr lang="en-GB" dirty="0" smtClean="0"/>
+              <a:t>10/32 3.4 case study</a:t>
+            </a:r>
+          </a:p>
+          <a:p>
+            <a:endParaRPr lang="en-GB" dirty="0" smtClean="0"/>
+          </a:p>
+          <a:p>
+            <a:r>
+              <a:rPr lang="en-GB" dirty="0" smtClean="0"/>
+              <a:t>Explain JPEG coder case study</a:t>
+            </a:r>
+          </a:p>
+          <a:p>
+            <a:r>
+              <a:rPr lang="en-GB" dirty="0" smtClean="0"/>
+              <a:t>An attempt</a:t>
+            </a:r>
+            <a:r>
+              <a:rPr lang="en-GB" baseline="0" dirty="0" smtClean="0"/>
+              <a:t> to use partitioning tool to obtain optimal hardware to software ratio</a:t>
+            </a:r>
+          </a:p>
+          <a:p>
+            <a:endParaRPr lang="en-GB" dirty="0" smtClean="0"/>
+          </a:p>
+          <a:p>
+            <a:r>
+              <a:rPr lang="en-GB" dirty="0" smtClean="0"/>
+              <a:t>What it did, what the results were</a:t>
+            </a:r>
+          </a:p>
+          <a:p>
+            <a:r>
+              <a:rPr lang="en-GB" dirty="0" smtClean="0"/>
+              <a:t>How parallel computation effected/benefited results</a:t>
+            </a:r>
+          </a:p>
+          <a:p>
+            <a:r>
+              <a:rPr lang="en-GB" dirty="0" smtClean="0"/>
+              <a:t>Do this over two slides, figure out how it would take to present, add summary type slide if you need to extend time. Add UWE Harvard reference for pdf</a:t>
+            </a:r>
+          </a:p>
+          <a:p>
             <a:endParaRPr lang="en-GB" dirty="0"/>
           </a:p>
         </p:txBody>
@@ -2089,7 +2784,7 @@
           <a:p>
             <a:fld id="{8F10CEB8-BB87-4DEA-B297-2F16A573BD8C}" type="slidenum">
               <a:rPr lang="en-GB" smtClean="0"/>
-              <a:t>10</a:t>
+              <a:t>9</a:t>
             </a:fld>
             <a:endParaRPr lang="en-GB"/>
           </a:p>
@@ -2098,7 +2793,7 @@
     </p:spTree>
     <p:extLst>
       <p:ext uri="{BB962C8B-B14F-4D97-AF65-F5344CB8AC3E}">
-        <p14:creationId xmlns:p14="http://schemas.microsoft.com/office/powerpoint/2010/main" val="1185495036"/>
+        <p14:creationId xmlns:p14="http://schemas.microsoft.com/office/powerpoint/2010/main" val="791064387"/>
       </p:ext>
     </p:extLst>
   </p:cSld>
@@ -2158,7 +2853,7 @@
           <a:noFill/>
           <a:extLst>
             <a:ext uri="{909E8E84-426E-40dd-AFC4-6F175D3DCCD1}">
-              <a14:hiddenFill xmlns:a14="http://schemas.microsoft.com/office/drawing/2010/main" xmlns="">
+              <a14:hiddenFill xmlns="" xmlns:a14="http://schemas.microsoft.com/office/drawing/2010/main">
                 <a:solidFill>
                   <a:srgbClr val="FFFFFF"/>
                 </a:solidFill>
@@ -2218,7 +2913,7 @@
             </a:ln>
             <a:extLst>
               <a:ext uri="{91240B29-F687-4f45-9708-019B960494DF}">
-                <a14:hiddenLine xmlns:a14="http://schemas.microsoft.com/office/drawing/2010/main" xmlns="" w="9525">
+                <a14:hiddenLine xmlns="" xmlns:a14="http://schemas.microsoft.com/office/drawing/2010/main" w="9525">
                   <a:solidFill>
                     <a:srgbClr val="000000"/>
                   </a:solidFill>
@@ -2308,7 +3003,7 @@
             </a:ln>
             <a:extLst>
               <a:ext uri="{91240B29-F687-4f45-9708-019B960494DF}">
-                <a14:hiddenLine xmlns:a14="http://schemas.microsoft.com/office/drawing/2010/main" xmlns="" w="9525">
+                <a14:hiddenLine xmlns="" xmlns:a14="http://schemas.microsoft.com/office/drawing/2010/main" w="9525">
                   <a:solidFill>
                     <a:srgbClr val="000000"/>
                   </a:solidFill>
@@ -2398,7 +3093,7 @@
             </a:ln>
             <a:extLst>
               <a:ext uri="{91240B29-F687-4f45-9708-019B960494DF}">
-                <a14:hiddenLine xmlns:a14="http://schemas.microsoft.com/office/drawing/2010/main" xmlns="" w="9525">
+                <a14:hiddenLine xmlns="" xmlns:a14="http://schemas.microsoft.com/office/drawing/2010/main" w="9525">
                   <a:solidFill>
                     <a:srgbClr val="000000"/>
                   </a:solidFill>
@@ -2432,7 +3127,7 @@
             </a:ln>
             <a:extLst>
               <a:ext uri="{91240B29-F687-4f45-9708-019B960494DF}">
-                <a14:hiddenLine xmlns:a14="http://schemas.microsoft.com/office/drawing/2010/main" xmlns="" w="9525">
+                <a14:hiddenLine xmlns="" xmlns:a14="http://schemas.microsoft.com/office/drawing/2010/main" w="9525">
                   <a:solidFill>
                     <a:srgbClr val="000000"/>
                   </a:solidFill>
@@ -2522,7 +3217,7 @@
             </a:ln>
             <a:extLst>
               <a:ext uri="{91240B29-F687-4f45-9708-019B960494DF}">
-                <a14:hiddenLine xmlns:a14="http://schemas.microsoft.com/office/drawing/2010/main" xmlns="" w="9525">
+                <a14:hiddenLine xmlns="" xmlns:a14="http://schemas.microsoft.com/office/drawing/2010/main" w="9525">
                   <a:solidFill>
                     <a:srgbClr val="000000"/>
                   </a:solidFill>
@@ -2584,7 +3279,7 @@
             </a:ln>
             <a:extLst>
               <a:ext uri="{91240B29-F687-4f45-9708-019B960494DF}">
-                <a14:hiddenLine xmlns:a14="http://schemas.microsoft.com/office/drawing/2010/main" xmlns="" w="9525">
+                <a14:hiddenLine xmlns="" xmlns:a14="http://schemas.microsoft.com/office/drawing/2010/main" w="9525">
                   <a:solidFill>
                     <a:srgbClr val="000000"/>
                   </a:solidFill>
@@ -2646,7 +3341,7 @@
             </a:ln>
             <a:extLst>
               <a:ext uri="{91240B29-F687-4f45-9708-019B960494DF}">
-                <a14:hiddenLine xmlns:a14="http://schemas.microsoft.com/office/drawing/2010/main" xmlns="" w="9525">
+                <a14:hiddenLine xmlns="" xmlns:a14="http://schemas.microsoft.com/office/drawing/2010/main" w="9525">
                   <a:solidFill>
                     <a:srgbClr val="000000"/>
                   </a:solidFill>
@@ -2736,7 +3431,7 @@
             </a:ln>
             <a:extLst>
               <a:ext uri="{91240B29-F687-4f45-9708-019B960494DF}">
-                <a14:hiddenLine xmlns:a14="http://schemas.microsoft.com/office/drawing/2010/main" xmlns="" w="9525">
+                <a14:hiddenLine xmlns="" xmlns:a14="http://schemas.microsoft.com/office/drawing/2010/main" w="9525">
                   <a:solidFill>
                     <a:srgbClr val="000000"/>
                   </a:solidFill>
@@ -2798,7 +3493,7 @@
             </a:ln>
             <a:extLst>
               <a:ext uri="{91240B29-F687-4f45-9708-019B960494DF}">
-                <a14:hiddenLine xmlns:a14="http://schemas.microsoft.com/office/drawing/2010/main" xmlns="" w="9525">
+                <a14:hiddenLine xmlns="" xmlns:a14="http://schemas.microsoft.com/office/drawing/2010/main" w="9525">
                   <a:solidFill>
                     <a:srgbClr val="000000"/>
                   </a:solidFill>
@@ -2860,7 +3555,7 @@
             </a:ln>
             <a:extLst>
               <a:ext uri="{91240B29-F687-4f45-9708-019B960494DF}">
-                <a14:hiddenLine xmlns:a14="http://schemas.microsoft.com/office/drawing/2010/main" xmlns="" w="9525">
+                <a14:hiddenLine xmlns="" xmlns:a14="http://schemas.microsoft.com/office/drawing/2010/main" w="9525">
                   <a:solidFill>
                     <a:srgbClr val="000000"/>
                   </a:solidFill>
@@ -2950,7 +3645,7 @@
             </a:ln>
             <a:extLst>
               <a:ext uri="{91240B29-F687-4f45-9708-019B960494DF}">
-                <a14:hiddenLine xmlns:a14="http://schemas.microsoft.com/office/drawing/2010/main" xmlns="" w="9525">
+                <a14:hiddenLine xmlns="" xmlns:a14="http://schemas.microsoft.com/office/drawing/2010/main" w="9525">
                   <a:solidFill>
                     <a:srgbClr val="000000"/>
                   </a:solidFill>
@@ -3040,7 +3735,7 @@
             </a:ln>
             <a:extLst>
               <a:ext uri="{91240B29-F687-4f45-9708-019B960494DF}">
-                <a14:hiddenLine xmlns:a14="http://schemas.microsoft.com/office/drawing/2010/main" xmlns="" w="9525">
+                <a14:hiddenLine xmlns="" xmlns:a14="http://schemas.microsoft.com/office/drawing/2010/main" w="9525">
                   <a:solidFill>
                     <a:srgbClr val="000000"/>
                   </a:solidFill>
@@ -3102,7 +3797,7 @@
             </a:ln>
             <a:extLst>
               <a:ext uri="{91240B29-F687-4f45-9708-019B960494DF}">
-                <a14:hiddenLine xmlns:a14="http://schemas.microsoft.com/office/drawing/2010/main" xmlns="" w="9525">
+                <a14:hiddenLine xmlns="" xmlns:a14="http://schemas.microsoft.com/office/drawing/2010/main" w="9525">
                   <a:solidFill>
                     <a:srgbClr val="000000"/>
                   </a:solidFill>
@@ -3212,7 +3907,7 @@
             </a:ln>
             <a:extLst>
               <a:ext uri="{91240B29-F687-4f45-9708-019B960494DF}">
-                <a14:hiddenLine xmlns:a14="http://schemas.microsoft.com/office/drawing/2010/main" xmlns="" w="9525">
+                <a14:hiddenLine xmlns="" xmlns:a14="http://schemas.microsoft.com/office/drawing/2010/main" w="9525">
                   <a:solidFill>
                     <a:srgbClr val="000000"/>
                   </a:solidFill>
@@ -3274,7 +3969,7 @@
             </a:ln>
             <a:extLst>
               <a:ext uri="{91240B29-F687-4f45-9708-019B960494DF}">
-                <a14:hiddenLine xmlns:a14="http://schemas.microsoft.com/office/drawing/2010/main" xmlns="" w="9525">
+                <a14:hiddenLine xmlns="" xmlns:a14="http://schemas.microsoft.com/office/drawing/2010/main" w="9525">
                   <a:solidFill>
                     <a:srgbClr val="000000"/>
                   </a:solidFill>
@@ -3364,7 +4059,7 @@
             </a:ln>
             <a:extLst>
               <a:ext uri="{91240B29-F687-4f45-9708-019B960494DF}">
-                <a14:hiddenLine xmlns:a14="http://schemas.microsoft.com/office/drawing/2010/main" xmlns="" w="9525">
+                <a14:hiddenLine xmlns="" xmlns:a14="http://schemas.microsoft.com/office/drawing/2010/main" w="9525">
                   <a:solidFill>
                     <a:srgbClr val="000000"/>
                   </a:solidFill>
@@ -3454,7 +4149,7 @@
             </a:ln>
             <a:extLst>
               <a:ext uri="{91240B29-F687-4f45-9708-019B960494DF}">
-                <a14:hiddenLine xmlns:a14="http://schemas.microsoft.com/office/drawing/2010/main" xmlns="" w="9525">
+                <a14:hiddenLine xmlns="" xmlns:a14="http://schemas.microsoft.com/office/drawing/2010/main" w="9525">
                   <a:solidFill>
                     <a:srgbClr val="000000"/>
                   </a:solidFill>
@@ -3516,7 +4211,7 @@
             </a:ln>
             <a:extLst>
               <a:ext uri="{91240B29-F687-4f45-9708-019B960494DF}">
-                <a14:hiddenLine xmlns:a14="http://schemas.microsoft.com/office/drawing/2010/main" xmlns="" w="9525">
+                <a14:hiddenLine xmlns="" xmlns:a14="http://schemas.microsoft.com/office/drawing/2010/main" w="9525">
                   <a:solidFill>
                     <a:srgbClr val="000000"/>
                   </a:solidFill>
@@ -3606,7 +4301,7 @@
             </a:ln>
             <a:extLst>
               <a:ext uri="{91240B29-F687-4f45-9708-019B960494DF}">
-                <a14:hiddenLine xmlns:a14="http://schemas.microsoft.com/office/drawing/2010/main" xmlns="" w="9525">
+                <a14:hiddenLine xmlns="" xmlns:a14="http://schemas.microsoft.com/office/drawing/2010/main" w="9525">
                   <a:solidFill>
                     <a:srgbClr val="000000"/>
                   </a:solidFill>
@@ -3696,7 +4391,7 @@
             </a:ln>
             <a:extLst>
               <a:ext uri="{91240B29-F687-4f45-9708-019B960494DF}">
-                <a14:hiddenLine xmlns:a14="http://schemas.microsoft.com/office/drawing/2010/main" xmlns="" w="9525">
+                <a14:hiddenLine xmlns="" xmlns:a14="http://schemas.microsoft.com/office/drawing/2010/main" w="9525">
                   <a:solidFill>
                     <a:srgbClr val="000000"/>
                   </a:solidFill>
@@ -3752,7 +4447,7 @@
             </a:ln>
             <a:extLst>
               <a:ext uri="{91240B29-F687-4f45-9708-019B960494DF}">
-                <a14:hiddenLine xmlns:a14="http://schemas.microsoft.com/office/drawing/2010/main" xmlns="" w="9525">
+                <a14:hiddenLine xmlns="" xmlns:a14="http://schemas.microsoft.com/office/drawing/2010/main" w="9525">
                   <a:solidFill>
                     <a:srgbClr val="000000"/>
                   </a:solidFill>
@@ -3842,7 +4537,7 @@
             </a:ln>
             <a:extLst>
               <a:ext uri="{91240B29-F687-4f45-9708-019B960494DF}">
-                <a14:hiddenLine xmlns:a14="http://schemas.microsoft.com/office/drawing/2010/main" xmlns="" w="9525">
+                <a14:hiddenLine xmlns="" xmlns:a14="http://schemas.microsoft.com/office/drawing/2010/main" w="9525">
                   <a:solidFill>
                     <a:srgbClr val="000000"/>
                   </a:solidFill>
@@ -3898,7 +4593,7 @@
             </a:ln>
             <a:extLst>
               <a:ext uri="{91240B29-F687-4f45-9708-019B960494DF}">
-                <a14:hiddenLine xmlns:a14="http://schemas.microsoft.com/office/drawing/2010/main" xmlns="" w="9525">
+                <a14:hiddenLine xmlns="" xmlns:a14="http://schemas.microsoft.com/office/drawing/2010/main" w="9525">
                   <a:solidFill>
                     <a:srgbClr val="000000"/>
                   </a:solidFill>
@@ -3988,7 +4683,7 @@
             </a:ln>
             <a:extLst>
               <a:ext uri="{91240B29-F687-4f45-9708-019B960494DF}">
-                <a14:hiddenLine xmlns:a14="http://schemas.microsoft.com/office/drawing/2010/main" xmlns="" w="9525">
+                <a14:hiddenLine xmlns="" xmlns:a14="http://schemas.microsoft.com/office/drawing/2010/main" w="9525">
                   <a:solidFill>
                     <a:srgbClr val="000000"/>
                   </a:solidFill>
@@ -4056,7 +4751,7 @@
             </a:ln>
             <a:extLst>
               <a:ext uri="{91240B29-F687-4f45-9708-019B960494DF}">
-                <a14:hiddenLine xmlns:a14="http://schemas.microsoft.com/office/drawing/2010/main" xmlns="" w="9525">
+                <a14:hiddenLine xmlns="" xmlns:a14="http://schemas.microsoft.com/office/drawing/2010/main" w="9525">
                   <a:solidFill>
                     <a:srgbClr val="000000"/>
                   </a:solidFill>
@@ -4146,7 +4841,7 @@
             </a:ln>
             <a:extLst>
               <a:ext uri="{91240B29-F687-4f45-9708-019B960494DF}">
-                <a14:hiddenLine xmlns:a14="http://schemas.microsoft.com/office/drawing/2010/main" xmlns="" w="9525">
+                <a14:hiddenLine xmlns="" xmlns:a14="http://schemas.microsoft.com/office/drawing/2010/main" w="9525">
                   <a:solidFill>
                     <a:srgbClr val="000000"/>
                   </a:solidFill>
@@ -4214,7 +4909,7 @@
             </a:ln>
             <a:extLst>
               <a:ext uri="{91240B29-F687-4f45-9708-019B960494DF}">
-                <a14:hiddenLine xmlns:a14="http://schemas.microsoft.com/office/drawing/2010/main" xmlns="" w="9525">
+                <a14:hiddenLine xmlns="" xmlns:a14="http://schemas.microsoft.com/office/drawing/2010/main" w="9525">
                   <a:solidFill>
                     <a:srgbClr val="000000"/>
                   </a:solidFill>
@@ -4304,7 +4999,7 @@
             </a:ln>
             <a:extLst>
               <a:ext uri="{91240B29-F687-4f45-9708-019B960494DF}">
-                <a14:hiddenLine xmlns:a14="http://schemas.microsoft.com/office/drawing/2010/main" xmlns="" w="9525">
+                <a14:hiddenLine xmlns="" xmlns:a14="http://schemas.microsoft.com/office/drawing/2010/main" w="9525">
                   <a:solidFill>
                     <a:srgbClr val="000000"/>
                   </a:solidFill>
@@ -4338,7 +5033,7 @@
             </a:ln>
             <a:extLst>
               <a:ext uri="{91240B29-F687-4f45-9708-019B960494DF}">
-                <a14:hiddenLine xmlns:a14="http://schemas.microsoft.com/office/drawing/2010/main" xmlns="" w="9525">
+                <a14:hiddenLine xmlns="" xmlns:a14="http://schemas.microsoft.com/office/drawing/2010/main" w="9525">
                   <a:solidFill>
                     <a:srgbClr val="000000"/>
                   </a:solidFill>
@@ -4428,7 +5123,7 @@
             </a:ln>
             <a:extLst>
               <a:ext uri="{91240B29-F687-4f45-9708-019B960494DF}">
-                <a14:hiddenLine xmlns:a14="http://schemas.microsoft.com/office/drawing/2010/main" xmlns="" w="9525">
+                <a14:hiddenLine xmlns="" xmlns:a14="http://schemas.microsoft.com/office/drawing/2010/main" w="9525">
                   <a:solidFill>
                     <a:srgbClr val="000000"/>
                   </a:solidFill>
@@ -4490,7 +5185,7 @@
             </a:ln>
             <a:extLst>
               <a:ext uri="{91240B29-F687-4f45-9708-019B960494DF}">
-                <a14:hiddenLine xmlns:a14="http://schemas.microsoft.com/office/drawing/2010/main" xmlns="" w="9525">
+                <a14:hiddenLine xmlns="" xmlns:a14="http://schemas.microsoft.com/office/drawing/2010/main" w="9525">
                   <a:solidFill>
                     <a:srgbClr val="000000"/>
                   </a:solidFill>
@@ -4552,7 +5247,7 @@
             </a:ln>
             <a:extLst>
               <a:ext uri="{91240B29-F687-4f45-9708-019B960494DF}">
-                <a14:hiddenLine xmlns:a14="http://schemas.microsoft.com/office/drawing/2010/main" xmlns="" w="9525">
+                <a14:hiddenLine xmlns="" xmlns:a14="http://schemas.microsoft.com/office/drawing/2010/main" w="9525">
                   <a:solidFill>
                     <a:srgbClr val="000000"/>
                   </a:solidFill>
@@ -4642,7 +5337,7 @@
             </a:ln>
             <a:extLst>
               <a:ext uri="{91240B29-F687-4f45-9708-019B960494DF}">
-                <a14:hiddenLine xmlns:a14="http://schemas.microsoft.com/office/drawing/2010/main" xmlns="" w="9525">
+                <a14:hiddenLine xmlns="" xmlns:a14="http://schemas.microsoft.com/office/drawing/2010/main" w="9525">
                   <a:solidFill>
                     <a:srgbClr val="000000"/>
                   </a:solidFill>
@@ -4710,7 +5405,7 @@
             </a:ln>
             <a:extLst>
               <a:ext uri="{91240B29-F687-4f45-9708-019B960494DF}">
-                <a14:hiddenLine xmlns:a14="http://schemas.microsoft.com/office/drawing/2010/main" xmlns="" w="9525">
+                <a14:hiddenLine xmlns="" xmlns:a14="http://schemas.microsoft.com/office/drawing/2010/main" w="9525">
                   <a:solidFill>
                     <a:srgbClr val="000000"/>
                   </a:solidFill>
@@ -4772,7 +5467,7 @@
             </a:ln>
             <a:extLst>
               <a:ext uri="{91240B29-F687-4f45-9708-019B960494DF}">
-                <a14:hiddenLine xmlns:a14="http://schemas.microsoft.com/office/drawing/2010/main" xmlns="" w="9525">
+                <a14:hiddenLine xmlns="" xmlns:a14="http://schemas.microsoft.com/office/drawing/2010/main" w="9525">
                   <a:solidFill>
                     <a:srgbClr val="000000"/>
                   </a:solidFill>
@@ -4862,7 +5557,7 @@
             </a:ln>
             <a:extLst>
               <a:ext uri="{91240B29-F687-4f45-9708-019B960494DF}">
-                <a14:hiddenLine xmlns:a14="http://schemas.microsoft.com/office/drawing/2010/main" xmlns="" w="9525">
+                <a14:hiddenLine xmlns="" xmlns:a14="http://schemas.microsoft.com/office/drawing/2010/main" w="9525">
                   <a:solidFill>
                     <a:srgbClr val="000000"/>
                   </a:solidFill>
@@ -4924,7 +5619,7 @@
             </a:ln>
             <a:extLst>
               <a:ext uri="{91240B29-F687-4f45-9708-019B960494DF}">
-                <a14:hiddenLine xmlns:a14="http://schemas.microsoft.com/office/drawing/2010/main" xmlns="" w="9525">
+                <a14:hiddenLine xmlns="" xmlns:a14="http://schemas.microsoft.com/office/drawing/2010/main" w="9525">
                   <a:solidFill>
                     <a:srgbClr val="000000"/>
                   </a:solidFill>
@@ -5014,7 +5709,7 @@
             </a:ln>
             <a:extLst>
               <a:ext uri="{91240B29-F687-4f45-9708-019B960494DF}">
-                <a14:hiddenLine xmlns:a14="http://schemas.microsoft.com/office/drawing/2010/main" xmlns="" w="9525">
+                <a14:hiddenLine xmlns="" xmlns:a14="http://schemas.microsoft.com/office/drawing/2010/main" w="9525">
                   <a:solidFill>
                     <a:srgbClr val="000000"/>
                   </a:solidFill>
@@ -5076,7 +5771,7 @@
             </a:ln>
             <a:extLst>
               <a:ext uri="{91240B29-F687-4f45-9708-019B960494DF}">
-                <a14:hiddenLine xmlns:a14="http://schemas.microsoft.com/office/drawing/2010/main" xmlns="" w="9525">
+                <a14:hiddenLine xmlns="" xmlns:a14="http://schemas.microsoft.com/office/drawing/2010/main" w="9525">
                   <a:solidFill>
                     <a:srgbClr val="000000"/>
                   </a:solidFill>
@@ -5166,7 +5861,7 @@
             </a:ln>
             <a:extLst>
               <a:ext uri="{91240B29-F687-4f45-9708-019B960494DF}">
-                <a14:hiddenLine xmlns:a14="http://schemas.microsoft.com/office/drawing/2010/main" xmlns="" w="9525">
+                <a14:hiddenLine xmlns="" xmlns:a14="http://schemas.microsoft.com/office/drawing/2010/main" w="9525">
                   <a:solidFill>
                     <a:srgbClr val="000000"/>
                   </a:solidFill>
@@ -5200,7 +5895,7 @@
             </a:ln>
             <a:extLst>
               <a:ext uri="{91240B29-F687-4f45-9708-019B960494DF}">
-                <a14:hiddenLine xmlns:a14="http://schemas.microsoft.com/office/drawing/2010/main" xmlns="" w="9525">
+                <a14:hiddenLine xmlns="" xmlns:a14="http://schemas.microsoft.com/office/drawing/2010/main" w="9525">
                   <a:solidFill>
                     <a:srgbClr val="000000"/>
                   </a:solidFill>
@@ -5265,7 +5960,7 @@
             </a:ln>
             <a:extLst>
               <a:ext uri="{91240B29-F687-4f45-9708-019B960494DF}">
-                <a14:hiddenLine xmlns:a14="http://schemas.microsoft.com/office/drawing/2010/main" xmlns="" w="9525">
+                <a14:hiddenLine xmlns="" xmlns:a14="http://schemas.microsoft.com/office/drawing/2010/main" w="9525">
                   <a:solidFill>
                     <a:srgbClr val="000000"/>
                   </a:solidFill>
@@ -5355,7 +6050,7 @@
             </a:ln>
             <a:extLst>
               <a:ext uri="{91240B29-F687-4f45-9708-019B960494DF}">
-                <a14:hiddenLine xmlns:a14="http://schemas.microsoft.com/office/drawing/2010/main" xmlns="" w="9525">
+                <a14:hiddenLine xmlns="" xmlns:a14="http://schemas.microsoft.com/office/drawing/2010/main" w="9525">
                   <a:solidFill>
                     <a:srgbClr val="000000"/>
                   </a:solidFill>
@@ -5417,7 +6112,7 @@
             </a:ln>
             <a:extLst>
               <a:ext uri="{91240B29-F687-4f45-9708-019B960494DF}">
-                <a14:hiddenLine xmlns:a14="http://schemas.microsoft.com/office/drawing/2010/main" xmlns="" w="9525">
+                <a14:hiddenLine xmlns="" xmlns:a14="http://schemas.microsoft.com/office/drawing/2010/main" w="9525">
                   <a:solidFill>
                     <a:srgbClr val="000000"/>
                   </a:solidFill>
@@ -5507,7 +6202,7 @@
             </a:ln>
             <a:extLst>
               <a:ext uri="{91240B29-F687-4f45-9708-019B960494DF}">
-                <a14:hiddenLine xmlns:a14="http://schemas.microsoft.com/office/drawing/2010/main" xmlns="" w="9525">
+                <a14:hiddenLine xmlns="" xmlns:a14="http://schemas.microsoft.com/office/drawing/2010/main" w="9525">
                   <a:solidFill>
                     <a:srgbClr val="000000"/>
                   </a:solidFill>
@@ -5597,7 +6292,7 @@
             </a:ln>
             <a:extLst>
               <a:ext uri="{91240B29-F687-4f45-9708-019B960494DF}">
-                <a14:hiddenLine xmlns:a14="http://schemas.microsoft.com/office/drawing/2010/main" xmlns="" w="9525">
+                <a14:hiddenLine xmlns="" xmlns:a14="http://schemas.microsoft.com/office/drawing/2010/main" w="9525">
                   <a:solidFill>
                     <a:srgbClr val="000000"/>
                   </a:solidFill>
@@ -5662,7 +6357,7 @@
             </a:ln>
             <a:extLst>
               <a:ext uri="{91240B29-F687-4f45-9708-019B960494DF}">
-                <a14:hiddenLine xmlns:a14="http://schemas.microsoft.com/office/drawing/2010/main" xmlns="" w="9525">
+                <a14:hiddenLine xmlns="" xmlns:a14="http://schemas.microsoft.com/office/drawing/2010/main" w="9525">
                   <a:solidFill>
                     <a:srgbClr val="000000"/>
                   </a:solidFill>
@@ -5724,7 +6419,7 @@
             </a:ln>
             <a:extLst>
               <a:ext uri="{91240B29-F687-4f45-9708-019B960494DF}">
-                <a14:hiddenLine xmlns:a14="http://schemas.microsoft.com/office/drawing/2010/main" xmlns="" w="9525">
+                <a14:hiddenLine xmlns="" xmlns:a14="http://schemas.microsoft.com/office/drawing/2010/main" w="9525">
                   <a:solidFill>
                     <a:srgbClr val="000000"/>
                   </a:solidFill>
@@ -5814,7 +6509,7 @@
             </a:ln>
             <a:extLst>
               <a:ext uri="{91240B29-F687-4f45-9708-019B960494DF}">
-                <a14:hiddenLine xmlns:a14="http://schemas.microsoft.com/office/drawing/2010/main" xmlns="" w="9525">
+                <a14:hiddenLine xmlns="" xmlns:a14="http://schemas.microsoft.com/office/drawing/2010/main" w="9525">
                   <a:solidFill>
                     <a:srgbClr val="000000"/>
                   </a:solidFill>
@@ -5904,7 +6599,7 @@
             </a:ln>
             <a:extLst>
               <a:ext uri="{91240B29-F687-4f45-9708-019B960494DF}">
-                <a14:hiddenLine xmlns:a14="http://schemas.microsoft.com/office/drawing/2010/main" xmlns="" w="9525">
+                <a14:hiddenLine xmlns="" xmlns:a14="http://schemas.microsoft.com/office/drawing/2010/main" w="9525">
                   <a:solidFill>
                     <a:srgbClr val="000000"/>
                   </a:solidFill>
@@ -5966,7 +6661,7 @@
             </a:ln>
             <a:extLst>
               <a:ext uri="{91240B29-F687-4f45-9708-019B960494DF}">
-                <a14:hiddenLine xmlns:a14="http://schemas.microsoft.com/office/drawing/2010/main" xmlns="" w="9525">
+                <a14:hiddenLine xmlns="" xmlns:a14="http://schemas.microsoft.com/office/drawing/2010/main" w="9525">
                   <a:solidFill>
                     <a:srgbClr val="000000"/>
                   </a:solidFill>
@@ -6086,7 +6781,7 @@
             </a:ln>
             <a:extLst>
               <a:ext uri="{91240B29-F687-4f45-9708-019B960494DF}">
-                <a14:hiddenLine xmlns:a14="http://schemas.microsoft.com/office/drawing/2010/main" xmlns="" w="9525">
+                <a14:hiddenLine xmlns="" xmlns:a14="http://schemas.microsoft.com/office/drawing/2010/main" w="9525">
                   <a:solidFill>
                     <a:srgbClr val="000000"/>
                   </a:solidFill>
@@ -6154,7 +6849,7 @@
             </a:ln>
             <a:extLst>
               <a:ext uri="{91240B29-F687-4f45-9708-019B960494DF}">
-                <a14:hiddenLine xmlns:a14="http://schemas.microsoft.com/office/drawing/2010/main" xmlns="" w="9525">
+                <a14:hiddenLine xmlns="" xmlns:a14="http://schemas.microsoft.com/office/drawing/2010/main" w="9525">
                   <a:solidFill>
                     <a:srgbClr val="000000"/>
                   </a:solidFill>
@@ -6244,7 +6939,7 @@
             </a:ln>
             <a:extLst>
               <a:ext uri="{91240B29-F687-4f45-9708-019B960494DF}">
-                <a14:hiddenLine xmlns:a14="http://schemas.microsoft.com/office/drawing/2010/main" xmlns="" w="9525">
+                <a14:hiddenLine xmlns="" xmlns:a14="http://schemas.microsoft.com/office/drawing/2010/main" w="9525">
                   <a:solidFill>
                     <a:srgbClr val="000000"/>
                   </a:solidFill>
@@ -6384,7 +7079,7 @@
           <a:p>
             <a:fld id="{5E9B594A-A5BC-42F3-B77D-CDC61C9C2D76}" type="datetimeFigureOut">
               <a:rPr lang="en-GB" smtClean="0"/>
-              <a:t>29/11/2018</a:t>
+              <a:t>02/12/2018</a:t>
             </a:fld>
             <a:endParaRPr lang="en-GB"/>
           </a:p>
@@ -6651,7 +7346,7 @@
           <a:p>
             <a:fld id="{5E9B594A-A5BC-42F3-B77D-CDC61C9C2D76}" type="datetimeFigureOut">
               <a:rPr lang="en-GB" smtClean="0"/>
-              <a:t>29/11/2018</a:t>
+              <a:t>02/12/2018</a:t>
             </a:fld>
             <a:endParaRPr lang="en-GB"/>
           </a:p>
@@ -6847,7 +7542,7 @@
           <a:p>
             <a:fld id="{5E9B594A-A5BC-42F3-B77D-CDC61C9C2D76}" type="datetimeFigureOut">
               <a:rPr lang="en-GB" smtClean="0"/>
-              <a:t>29/11/2018</a:t>
+              <a:t>02/12/2018</a:t>
             </a:fld>
             <a:endParaRPr lang="en-GB"/>
           </a:p>
@@ -7110,7 +7805,7 @@
           <a:p>
             <a:fld id="{5E9B594A-A5BC-42F3-B77D-CDC61C9C2D76}" type="datetimeFigureOut">
               <a:rPr lang="en-GB" smtClean="0"/>
-              <a:t>29/11/2018</a:t>
+              <a:t>02/12/2018</a:t>
             </a:fld>
             <a:endParaRPr lang="en-GB"/>
           </a:p>
@@ -7544,7 +8239,7 @@
           <a:p>
             <a:fld id="{5E9B594A-A5BC-42F3-B77D-CDC61C9C2D76}" type="datetimeFigureOut">
               <a:rPr lang="en-GB" smtClean="0"/>
-              <a:t>29/11/2018</a:t>
+              <a:t>02/12/2018</a:t>
             </a:fld>
             <a:endParaRPr lang="en-GB"/>
           </a:p>
@@ -8090,7 +8785,7 @@
           <a:p>
             <a:fld id="{5E9B594A-A5BC-42F3-B77D-CDC61C9C2D76}" type="datetimeFigureOut">
               <a:rPr lang="en-GB" smtClean="0"/>
-              <a:t>29/11/2018</a:t>
+              <a:t>02/12/2018</a:t>
             </a:fld>
             <a:endParaRPr lang="en-GB"/>
           </a:p>
@@ -8810,7 +9505,7 @@
           <a:p>
             <a:fld id="{5E9B594A-A5BC-42F3-B77D-CDC61C9C2D76}" type="datetimeFigureOut">
               <a:rPr lang="en-GB" smtClean="0"/>
-              <a:t>29/11/2018</a:t>
+              <a:t>02/12/2018</a:t>
             </a:fld>
             <a:endParaRPr lang="en-GB"/>
           </a:p>
@@ -8980,7 +9675,7 @@
           <a:p>
             <a:fld id="{5E9B594A-A5BC-42F3-B77D-CDC61C9C2D76}" type="datetimeFigureOut">
               <a:rPr lang="en-GB" smtClean="0"/>
-              <a:t>29/11/2018</a:t>
+              <a:t>02/12/2018</a:t>
             </a:fld>
             <a:endParaRPr lang="en-GB"/>
           </a:p>
@@ -9160,7 +9855,7 @@
           <a:p>
             <a:fld id="{5E9B594A-A5BC-42F3-B77D-CDC61C9C2D76}" type="datetimeFigureOut">
               <a:rPr lang="en-GB" smtClean="0"/>
-              <a:t>29/11/2018</a:t>
+              <a:t>02/12/2018</a:t>
             </a:fld>
             <a:endParaRPr lang="en-GB"/>
           </a:p>
@@ -9330,7 +10025,7 @@
           <a:p>
             <a:fld id="{5E9B594A-A5BC-42F3-B77D-CDC61C9C2D76}" type="datetimeFigureOut">
               <a:rPr lang="en-GB" smtClean="0"/>
-              <a:t>29/11/2018</a:t>
+              <a:t>02/12/2018</a:t>
             </a:fld>
             <a:endParaRPr lang="en-GB"/>
           </a:p>
@@ -9580,7 +10275,7 @@
           <a:p>
             <a:fld id="{5E9B594A-A5BC-42F3-B77D-CDC61C9C2D76}" type="datetimeFigureOut">
               <a:rPr lang="en-GB" smtClean="0"/>
-              <a:t>29/11/2018</a:t>
+              <a:t>02/12/2018</a:t>
             </a:fld>
             <a:endParaRPr lang="en-GB"/>
           </a:p>
@@ -9812,7 +10507,7 @@
           <a:p>
             <a:fld id="{5E9B594A-A5BC-42F3-B77D-CDC61C9C2D76}" type="datetimeFigureOut">
               <a:rPr lang="en-GB" smtClean="0"/>
-              <a:t>29/11/2018</a:t>
+              <a:t>02/12/2018</a:t>
             </a:fld>
             <a:endParaRPr lang="en-GB"/>
           </a:p>
@@ -10193,7 +10888,7 @@
           <a:p>
             <a:fld id="{5E9B594A-A5BC-42F3-B77D-CDC61C9C2D76}" type="datetimeFigureOut">
               <a:rPr lang="en-GB" smtClean="0"/>
-              <a:t>29/11/2018</a:t>
+              <a:t>02/12/2018</a:t>
             </a:fld>
             <a:endParaRPr lang="en-GB"/>
           </a:p>
@@ -10311,7 +11006,7 @@
           <a:p>
             <a:fld id="{5E9B594A-A5BC-42F3-B77D-CDC61C9C2D76}" type="datetimeFigureOut">
               <a:rPr lang="en-GB" smtClean="0"/>
-              <a:t>29/11/2018</a:t>
+              <a:t>02/12/2018</a:t>
             </a:fld>
             <a:endParaRPr lang="en-GB"/>
           </a:p>
@@ -10406,7 +11101,7 @@
           <a:p>
             <a:fld id="{5E9B594A-A5BC-42F3-B77D-CDC61C9C2D76}" type="datetimeFigureOut">
               <a:rPr lang="en-GB" smtClean="0"/>
-              <a:t>29/11/2018</a:t>
+              <a:t>02/12/2018</a:t>
             </a:fld>
             <a:endParaRPr lang="en-GB"/>
           </a:p>
@@ -10655,7 +11350,7 @@
           <a:p>
             <a:fld id="{5E9B594A-A5BC-42F3-B77D-CDC61C9C2D76}" type="datetimeFigureOut">
               <a:rPr lang="en-GB" smtClean="0"/>
-              <a:t>29/11/2018</a:t>
+              <a:t>02/12/2018</a:t>
             </a:fld>
             <a:endParaRPr lang="en-GB"/>
           </a:p>
@@ -10935,7 +11630,7 @@
           <a:p>
             <a:fld id="{5E9B594A-A5BC-42F3-B77D-CDC61C9C2D76}" type="datetimeFigureOut">
               <a:rPr lang="en-GB" smtClean="0"/>
-              <a:t>29/11/2018</a:t>
+              <a:t>02/12/2018</a:t>
             </a:fld>
             <a:endParaRPr lang="en-GB"/>
           </a:p>
@@ -11051,7 +11746,7 @@
           <a:noFill/>
           <a:extLst>
             <a:ext uri="{909E8E84-426E-40dd-AFC4-6F175D3DCCD1}">
-              <a14:hiddenFill xmlns:a14="http://schemas.microsoft.com/office/drawing/2010/main" xmlns="">
+              <a14:hiddenFill xmlns="" xmlns:a14="http://schemas.microsoft.com/office/drawing/2010/main">
                 <a:solidFill>
                   <a:srgbClr val="FFFFFF"/>
                 </a:solidFill>
@@ -11125,7 +11820,7 @@
               </a:ln>
               <a:extLst>
                 <a:ext uri="{91240B29-F687-4f45-9708-019B960494DF}">
-                  <a14:hiddenLine xmlns:a14="http://schemas.microsoft.com/office/drawing/2010/main" xmlns="" w="9525">
+                  <a14:hiddenLine xmlns="" xmlns:a14="http://schemas.microsoft.com/office/drawing/2010/main" w="9525">
                     <a:solidFill>
                       <a:srgbClr val="000000"/>
                     </a:solidFill>
@@ -11215,7 +11910,7 @@
               </a:ln>
               <a:extLst>
                 <a:ext uri="{91240B29-F687-4f45-9708-019B960494DF}">
-                  <a14:hiddenLine xmlns:a14="http://schemas.microsoft.com/office/drawing/2010/main" xmlns="" w="9525">
+                  <a14:hiddenLine xmlns="" xmlns:a14="http://schemas.microsoft.com/office/drawing/2010/main" w="9525">
                     <a:solidFill>
                       <a:srgbClr val="000000"/>
                     </a:solidFill>
@@ -11305,7 +12000,7 @@
               </a:ln>
               <a:extLst>
                 <a:ext uri="{91240B29-F687-4f45-9708-019B960494DF}">
-                  <a14:hiddenLine xmlns:a14="http://schemas.microsoft.com/office/drawing/2010/main" xmlns="" w="9525">
+                  <a14:hiddenLine xmlns="" xmlns:a14="http://schemas.microsoft.com/office/drawing/2010/main" w="9525">
                     <a:solidFill>
                       <a:srgbClr val="000000"/>
                     </a:solidFill>
@@ -11367,7 +12062,7 @@
               </a:ln>
               <a:extLst>
                 <a:ext uri="{91240B29-F687-4f45-9708-019B960494DF}">
-                  <a14:hiddenLine xmlns:a14="http://schemas.microsoft.com/office/drawing/2010/main" xmlns="" w="9525">
+                  <a14:hiddenLine xmlns="" xmlns:a14="http://schemas.microsoft.com/office/drawing/2010/main" w="9525">
                     <a:solidFill>
                       <a:srgbClr val="000000"/>
                     </a:solidFill>
@@ -11457,7 +12152,7 @@
               </a:ln>
               <a:extLst>
                 <a:ext uri="{91240B29-F687-4f45-9708-019B960494DF}">
-                  <a14:hiddenLine xmlns:a14="http://schemas.microsoft.com/office/drawing/2010/main" xmlns="" w="9525">
+                  <a14:hiddenLine xmlns="" xmlns:a14="http://schemas.microsoft.com/office/drawing/2010/main" w="9525">
                     <a:solidFill>
                       <a:srgbClr val="000000"/>
                     </a:solidFill>
@@ -11519,7 +12214,7 @@
               </a:ln>
               <a:extLst>
                 <a:ext uri="{91240B29-F687-4f45-9708-019B960494DF}">
-                  <a14:hiddenLine xmlns:a14="http://schemas.microsoft.com/office/drawing/2010/main" xmlns="" w="9525">
+                  <a14:hiddenLine xmlns="" xmlns:a14="http://schemas.microsoft.com/office/drawing/2010/main" w="9525">
                     <a:solidFill>
                       <a:srgbClr val="000000"/>
                     </a:solidFill>
@@ -11581,7 +12276,7 @@
               </a:ln>
               <a:extLst>
                 <a:ext uri="{91240B29-F687-4f45-9708-019B960494DF}">
-                  <a14:hiddenLine xmlns:a14="http://schemas.microsoft.com/office/drawing/2010/main" xmlns="" w="9525">
+                  <a14:hiddenLine xmlns="" xmlns:a14="http://schemas.microsoft.com/office/drawing/2010/main" w="9525">
                     <a:solidFill>
                       <a:srgbClr val="000000"/>
                     </a:solidFill>
@@ -11671,7 +12366,7 @@
               </a:ln>
               <a:extLst>
                 <a:ext uri="{91240B29-F687-4f45-9708-019B960494DF}">
-                  <a14:hiddenLine xmlns:a14="http://schemas.microsoft.com/office/drawing/2010/main" xmlns="" w="9525">
+                  <a14:hiddenLine xmlns="" xmlns:a14="http://schemas.microsoft.com/office/drawing/2010/main" w="9525">
                     <a:solidFill>
                       <a:srgbClr val="000000"/>
                     </a:solidFill>
@@ -11761,7 +12456,7 @@
               </a:ln>
               <a:extLst>
                 <a:ext uri="{91240B29-F687-4f45-9708-019B960494DF}">
-                  <a14:hiddenLine xmlns:a14="http://schemas.microsoft.com/office/drawing/2010/main" xmlns="" w="9525">
+                  <a14:hiddenLine xmlns="" xmlns:a14="http://schemas.microsoft.com/office/drawing/2010/main" w="9525">
                     <a:solidFill>
                       <a:srgbClr val="000000"/>
                     </a:solidFill>
@@ -11823,7 +12518,7 @@
               </a:ln>
               <a:extLst>
                 <a:ext uri="{91240B29-F687-4f45-9708-019B960494DF}">
-                  <a14:hiddenLine xmlns:a14="http://schemas.microsoft.com/office/drawing/2010/main" xmlns="" w="9525">
+                  <a14:hiddenLine xmlns="" xmlns:a14="http://schemas.microsoft.com/office/drawing/2010/main" w="9525">
                     <a:solidFill>
                       <a:srgbClr val="000000"/>
                     </a:solidFill>
@@ -11933,7 +12628,7 @@
               </a:ln>
               <a:extLst>
                 <a:ext uri="{91240B29-F687-4f45-9708-019B960494DF}">
-                  <a14:hiddenLine xmlns:a14="http://schemas.microsoft.com/office/drawing/2010/main" xmlns="" w="9525">
+                  <a14:hiddenLine xmlns="" xmlns:a14="http://schemas.microsoft.com/office/drawing/2010/main" w="9525">
                     <a:solidFill>
                       <a:srgbClr val="000000"/>
                     </a:solidFill>
@@ -12017,7 +12712,7 @@
               </a:ln>
               <a:extLst>
                 <a:ext uri="{91240B29-F687-4f45-9708-019B960494DF}">
-                  <a14:hiddenLine xmlns:a14="http://schemas.microsoft.com/office/drawing/2010/main" xmlns="" w="9525">
+                  <a14:hiddenLine xmlns="" xmlns:a14="http://schemas.microsoft.com/office/drawing/2010/main" w="9525">
                     <a:solidFill>
                       <a:srgbClr val="000000"/>
                     </a:solidFill>
@@ -12079,7 +12774,7 @@
               </a:ln>
               <a:extLst>
                 <a:ext uri="{91240B29-F687-4f45-9708-019B960494DF}">
-                  <a14:hiddenLine xmlns:a14="http://schemas.microsoft.com/office/drawing/2010/main" xmlns="" w="9525">
+                  <a14:hiddenLine xmlns="" xmlns:a14="http://schemas.microsoft.com/office/drawing/2010/main" w="9525">
                     <a:solidFill>
                       <a:srgbClr val="000000"/>
                     </a:solidFill>
@@ -12141,7 +12836,7 @@
               </a:ln>
               <a:extLst>
                 <a:ext uri="{91240B29-F687-4f45-9708-019B960494DF}">
-                  <a14:hiddenLine xmlns:a14="http://schemas.microsoft.com/office/drawing/2010/main" xmlns="" w="9525">
+                  <a14:hiddenLine xmlns="" xmlns:a14="http://schemas.microsoft.com/office/drawing/2010/main" w="9525">
                     <a:solidFill>
                       <a:srgbClr val="000000"/>
                     </a:solidFill>
@@ -12231,7 +12926,7 @@
               </a:ln>
               <a:extLst>
                 <a:ext uri="{91240B29-F687-4f45-9708-019B960494DF}">
-                  <a14:hiddenLine xmlns:a14="http://schemas.microsoft.com/office/drawing/2010/main" xmlns="" w="9525">
+                  <a14:hiddenLine xmlns="" xmlns:a14="http://schemas.microsoft.com/office/drawing/2010/main" w="9525">
                     <a:solidFill>
                       <a:srgbClr val="000000"/>
                     </a:solidFill>
@@ -12265,7 +12960,7 @@
               </a:ln>
               <a:extLst>
                 <a:ext uri="{91240B29-F687-4f45-9708-019B960494DF}">
-                  <a14:hiddenLine xmlns:a14="http://schemas.microsoft.com/office/drawing/2010/main" xmlns="" w="9525">
+                  <a14:hiddenLine xmlns="" xmlns:a14="http://schemas.microsoft.com/office/drawing/2010/main" w="9525">
                     <a:solidFill>
                       <a:srgbClr val="000000"/>
                     </a:solidFill>
@@ -12330,7 +13025,7 @@
               </a:ln>
               <a:extLst>
                 <a:ext uri="{91240B29-F687-4f45-9708-019B960494DF}">
-                  <a14:hiddenLine xmlns:a14="http://schemas.microsoft.com/office/drawing/2010/main" xmlns="" w="9525">
+                  <a14:hiddenLine xmlns="" xmlns:a14="http://schemas.microsoft.com/office/drawing/2010/main" w="9525">
                     <a:solidFill>
                       <a:srgbClr val="000000"/>
                     </a:solidFill>
@@ -12420,7 +13115,7 @@
               </a:ln>
               <a:extLst>
                 <a:ext uri="{91240B29-F687-4f45-9708-019B960494DF}">
-                  <a14:hiddenLine xmlns:a14="http://schemas.microsoft.com/office/drawing/2010/main" xmlns="" w="9525">
+                  <a14:hiddenLine xmlns="" xmlns:a14="http://schemas.microsoft.com/office/drawing/2010/main" w="9525">
                     <a:solidFill>
                       <a:srgbClr val="000000"/>
                     </a:solidFill>
@@ -12482,7 +13177,7 @@
               </a:ln>
               <a:extLst>
                 <a:ext uri="{91240B29-F687-4f45-9708-019B960494DF}">
-                  <a14:hiddenLine xmlns:a14="http://schemas.microsoft.com/office/drawing/2010/main" xmlns="" w="9525">
+                  <a14:hiddenLine xmlns="" xmlns:a14="http://schemas.microsoft.com/office/drawing/2010/main" w="9525">
                     <a:solidFill>
                       <a:srgbClr val="000000"/>
                     </a:solidFill>
@@ -12572,7 +13267,7 @@
               </a:ln>
               <a:extLst>
                 <a:ext uri="{91240B29-F687-4f45-9708-019B960494DF}">
-                  <a14:hiddenLine xmlns:a14="http://schemas.microsoft.com/office/drawing/2010/main" xmlns="" w="9525">
+                  <a14:hiddenLine xmlns="" xmlns:a14="http://schemas.microsoft.com/office/drawing/2010/main" w="9525">
                     <a:solidFill>
                       <a:srgbClr val="000000"/>
                     </a:solidFill>
@@ -12637,7 +13332,7 @@
               </a:ln>
               <a:extLst>
                 <a:ext uri="{91240B29-F687-4f45-9708-019B960494DF}">
-                  <a14:hiddenLine xmlns:a14="http://schemas.microsoft.com/office/drawing/2010/main" xmlns="" w="9525">
+                  <a14:hiddenLine xmlns="" xmlns:a14="http://schemas.microsoft.com/office/drawing/2010/main" w="9525">
                     <a:solidFill>
                       <a:srgbClr val="000000"/>
                     </a:solidFill>
@@ -12699,7 +13394,7 @@
               </a:ln>
               <a:extLst>
                 <a:ext uri="{91240B29-F687-4f45-9708-019B960494DF}">
-                  <a14:hiddenLine xmlns:a14="http://schemas.microsoft.com/office/drawing/2010/main" xmlns="" w="9525">
+                  <a14:hiddenLine xmlns="" xmlns:a14="http://schemas.microsoft.com/office/drawing/2010/main" w="9525">
                     <a:solidFill>
                       <a:srgbClr val="000000"/>
                     </a:solidFill>
@@ -12789,7 +13484,7 @@
               </a:ln>
               <a:extLst>
                 <a:ext uri="{91240B29-F687-4f45-9708-019B960494DF}">
-                  <a14:hiddenLine xmlns:a14="http://schemas.microsoft.com/office/drawing/2010/main" xmlns="" w="9525">
+                  <a14:hiddenLine xmlns="" xmlns:a14="http://schemas.microsoft.com/office/drawing/2010/main" w="9525">
                     <a:solidFill>
                       <a:srgbClr val="000000"/>
                     </a:solidFill>
@@ -12879,7 +13574,7 @@
               </a:ln>
               <a:extLst>
                 <a:ext uri="{91240B29-F687-4f45-9708-019B960494DF}">
-                  <a14:hiddenLine xmlns:a14="http://schemas.microsoft.com/office/drawing/2010/main" xmlns="" w="9525">
+                  <a14:hiddenLine xmlns="" xmlns:a14="http://schemas.microsoft.com/office/drawing/2010/main" w="9525">
                     <a:solidFill>
                       <a:srgbClr val="000000"/>
                     </a:solidFill>
@@ -12944,7 +13639,7 @@
               </a:ln>
               <a:extLst>
                 <a:ext uri="{91240B29-F687-4f45-9708-019B960494DF}">
-                  <a14:hiddenLine xmlns:a14="http://schemas.microsoft.com/office/drawing/2010/main" xmlns="" w="9525">
+                  <a14:hiddenLine xmlns="" xmlns:a14="http://schemas.microsoft.com/office/drawing/2010/main" w="9525">
                     <a:solidFill>
                       <a:srgbClr val="000000"/>
                     </a:solidFill>
@@ -13064,7 +13759,7 @@
               </a:ln>
               <a:extLst>
                 <a:ext uri="{91240B29-F687-4f45-9708-019B960494DF}">
-                  <a14:hiddenLine xmlns:a14="http://schemas.microsoft.com/office/drawing/2010/main" xmlns="" w="9525">
+                  <a14:hiddenLine xmlns="" xmlns:a14="http://schemas.microsoft.com/office/drawing/2010/main" w="9525">
                     <a:solidFill>
                       <a:srgbClr val="000000"/>
                     </a:solidFill>
@@ -13162,7 +13857,7 @@
               </a:ln>
               <a:extLst>
                 <a:ext uri="{91240B29-F687-4f45-9708-019B960494DF}">
-                  <a14:hiddenLine xmlns:a14="http://schemas.microsoft.com/office/drawing/2010/main" xmlns="" w="9525">
+                  <a14:hiddenLine xmlns="" xmlns:a14="http://schemas.microsoft.com/office/drawing/2010/main" w="9525">
                     <a:solidFill>
                       <a:srgbClr val="000000"/>
                     </a:solidFill>
@@ -13277,7 +13972,7 @@
               </a:ln>
               <a:extLst>
                 <a:ext uri="{91240B29-F687-4f45-9708-019B960494DF}">
-                  <a14:hiddenLine xmlns:a14="http://schemas.microsoft.com/office/drawing/2010/main" xmlns="" w="9525">
+                  <a14:hiddenLine xmlns="" xmlns:a14="http://schemas.microsoft.com/office/drawing/2010/main" w="9525">
                     <a:solidFill>
                       <a:srgbClr val="000000"/>
                     </a:solidFill>
@@ -13367,7 +14062,7 @@
               </a:ln>
               <a:extLst>
                 <a:ext uri="{91240B29-F687-4f45-9708-019B960494DF}">
-                  <a14:hiddenLine xmlns:a14="http://schemas.microsoft.com/office/drawing/2010/main" xmlns="" w="9525">
+                  <a14:hiddenLine xmlns="" xmlns:a14="http://schemas.microsoft.com/office/drawing/2010/main" w="9525">
                     <a:solidFill>
                       <a:srgbClr val="000000"/>
                     </a:solidFill>
@@ -13432,7 +14127,7 @@
               </a:ln>
               <a:extLst>
                 <a:ext uri="{91240B29-F687-4f45-9708-019B960494DF}">
-                  <a14:hiddenLine xmlns:a14="http://schemas.microsoft.com/office/drawing/2010/main" xmlns="" w="9525">
+                  <a14:hiddenLine xmlns="" xmlns:a14="http://schemas.microsoft.com/office/drawing/2010/main" w="9525">
                     <a:solidFill>
                       <a:srgbClr val="000000"/>
                     </a:solidFill>
@@ -13522,7 +14217,7 @@
               </a:ln>
               <a:extLst>
                 <a:ext uri="{91240B29-F687-4f45-9708-019B960494DF}">
-                  <a14:hiddenLine xmlns:a14="http://schemas.microsoft.com/office/drawing/2010/main" xmlns="" w="9525">
+                  <a14:hiddenLine xmlns="" xmlns:a14="http://schemas.microsoft.com/office/drawing/2010/main" w="9525">
                     <a:solidFill>
                       <a:srgbClr val="000000"/>
                     </a:solidFill>
@@ -13590,7 +14285,7 @@
               </a:ln>
               <a:extLst>
                 <a:ext uri="{91240B29-F687-4f45-9708-019B960494DF}">
-                  <a14:hiddenLine xmlns:a14="http://schemas.microsoft.com/office/drawing/2010/main" xmlns="" w="9525">
+                  <a14:hiddenLine xmlns="" xmlns:a14="http://schemas.microsoft.com/office/drawing/2010/main" w="9525">
                     <a:solidFill>
                       <a:srgbClr val="000000"/>
                     </a:solidFill>
@@ -13680,7 +14375,7 @@
               </a:ln>
               <a:extLst>
                 <a:ext uri="{91240B29-F687-4f45-9708-019B960494DF}">
-                  <a14:hiddenLine xmlns:a14="http://schemas.microsoft.com/office/drawing/2010/main" xmlns="" w="9525">
+                  <a14:hiddenLine xmlns="" xmlns:a14="http://schemas.microsoft.com/office/drawing/2010/main" w="9525">
                     <a:solidFill>
                       <a:srgbClr val="000000"/>
                     </a:solidFill>
@@ -13748,7 +14443,7 @@
               </a:ln>
               <a:extLst>
                 <a:ext uri="{91240B29-F687-4f45-9708-019B960494DF}">
-                  <a14:hiddenLine xmlns:a14="http://schemas.microsoft.com/office/drawing/2010/main" xmlns="" w="9525">
+                  <a14:hiddenLine xmlns="" xmlns:a14="http://schemas.microsoft.com/office/drawing/2010/main" w="9525">
                     <a:solidFill>
                       <a:srgbClr val="000000"/>
                     </a:solidFill>
@@ -13838,7 +14533,7 @@
               </a:ln>
               <a:extLst>
                 <a:ext uri="{91240B29-F687-4f45-9708-019B960494DF}">
-                  <a14:hiddenLine xmlns:a14="http://schemas.microsoft.com/office/drawing/2010/main" xmlns="" w="9525">
+                  <a14:hiddenLine xmlns="" xmlns:a14="http://schemas.microsoft.com/office/drawing/2010/main" w="9525">
                     <a:solidFill>
                       <a:srgbClr val="000000"/>
                     </a:solidFill>
@@ -13872,7 +14567,7 @@
               </a:ln>
               <a:extLst>
                 <a:ext uri="{91240B29-F687-4f45-9708-019B960494DF}">
-                  <a14:hiddenLine xmlns:a14="http://schemas.microsoft.com/office/drawing/2010/main" xmlns="" w="9525">
+                  <a14:hiddenLine xmlns="" xmlns:a14="http://schemas.microsoft.com/office/drawing/2010/main" w="9525">
                     <a:solidFill>
                       <a:srgbClr val="000000"/>
                     </a:solidFill>
@@ -14012,7 +14707,7 @@
           <a:p>
             <a:fld id="{5E9B594A-A5BC-42F3-B77D-CDC61C9C2D76}" type="datetimeFigureOut">
               <a:rPr lang="en-GB" smtClean="0"/>
-              <a:t>29/11/2018</a:t>
+              <a:t>02/12/2018</a:t>
             </a:fld>
             <a:endParaRPr lang="en-GB"/>
           </a:p>
@@ -14527,6 +15222,437 @@
             <p:ph type="title"/>
           </p:nvPr>
         </p:nvSpPr>
+        <p:spPr/>
+        <p:txBody>
+          <a:bodyPr/>
+          <a:lstStyle/>
+          <a:p>
+            <a:r>
+              <a:rPr lang="en-GB" dirty="0" smtClean="0"/>
+              <a:t>analysis of case study</a:t>
+            </a:r>
+            <a:endParaRPr lang="en-GB" dirty="0"/>
+          </a:p>
+        </p:txBody>
+      </p:sp>
+      <p:sp>
+        <p:nvSpPr>
+          <p:cNvPr id="3" name="Content Placeholder 2"/>
+          <p:cNvSpPr>
+            <a:spLocks noGrp="1"/>
+          </p:cNvSpPr>
+          <p:nvPr>
+            <p:ph idx="1"/>
+          </p:nvPr>
+        </p:nvSpPr>
+        <p:spPr>
+          <a:xfrm>
+            <a:off x="1141413" y="2258913"/>
+            <a:ext cx="5410216" cy="3541714"/>
+          </a:xfrm>
+        </p:spPr>
+        <p:txBody>
+          <a:bodyPr>
+            <a:noAutofit/>
+          </a:bodyPr>
+          <a:lstStyle/>
+          <a:p>
+            <a:r>
+              <a:rPr lang="en-GB" sz="1800" dirty="0" smtClean="0"/>
+              <a:t>Table one shows a breakdown of, Power consumption, Cost Percentage and Execution time for each component</a:t>
+            </a:r>
+            <a:endParaRPr lang="en-GB" sz="1800" dirty="0"/>
+          </a:p>
+          <a:p>
+            <a:r>
+              <a:rPr lang="en-GB" sz="1800" dirty="0"/>
+              <a:t>Original </a:t>
+            </a:r>
+            <a:r>
+              <a:rPr lang="en-GB" sz="1800" dirty="0" smtClean="0"/>
+              <a:t>algorithm was based on single core architecture, adjustments have been made to allow for multi-processor partitioning</a:t>
+            </a:r>
+            <a:endParaRPr lang="en-GB" sz="1800" dirty="0"/>
+          </a:p>
+          <a:p>
+            <a:r>
+              <a:rPr lang="en-GB" sz="1800" dirty="0" smtClean="0"/>
+              <a:t>Overall cost is generated using the same equation used in previous slides</a:t>
+            </a:r>
+            <a:endParaRPr lang="en-GB" sz="1800" dirty="0"/>
+          </a:p>
+          <a:p>
+            <a:r>
+              <a:rPr lang="en-GB" sz="1800" dirty="0"/>
+              <a:t>50 solutions(particles) are attempted, a continuous loop of rounds will occur until there is no improvement for 50 </a:t>
+            </a:r>
+            <a:r>
+              <a:rPr lang="en-GB" sz="1800" dirty="0" smtClean="0"/>
+              <a:t>rounds</a:t>
+            </a:r>
+          </a:p>
+        </p:txBody>
+      </p:sp>
+      <p:pic>
+        <p:nvPicPr>
+          <p:cNvPr id="4" name="Picture 3"/>
+          <p:cNvPicPr>
+            <a:picLocks noChangeAspect="1"/>
+          </p:cNvPicPr>
+          <p:nvPr/>
+        </p:nvPicPr>
+        <p:blipFill rotWithShape="1">
+          <a:blip r:embed="rId3"/>
+          <a:srcRect b="57068"/>
+          <a:stretch/>
+        </p:blipFill>
+        <p:spPr>
+          <a:xfrm>
+            <a:off x="6655324" y="2031100"/>
+            <a:ext cx="5253503" cy="2168190"/>
+          </a:xfrm>
+          <a:prstGeom prst="rect">
+            <a:avLst/>
+          </a:prstGeom>
+        </p:spPr>
+      </p:pic>
+      <p:pic>
+        <p:nvPicPr>
+          <p:cNvPr id="5" name="Picture 4"/>
+          <p:cNvPicPr>
+            <a:picLocks noChangeAspect="1"/>
+          </p:cNvPicPr>
+          <p:nvPr/>
+        </p:nvPicPr>
+        <p:blipFill>
+          <a:blip r:embed="rId4"/>
+          <a:stretch>
+            <a:fillRect/>
+          </a:stretch>
+        </p:blipFill>
+        <p:spPr>
+          <a:xfrm>
+            <a:off x="6655324" y="4812808"/>
+            <a:ext cx="5213012" cy="645352"/>
+          </a:xfrm>
+          <a:prstGeom prst="rect">
+            <a:avLst/>
+          </a:prstGeom>
+        </p:spPr>
+      </p:pic>
+    </p:spTree>
+    <p:extLst>
+      <p:ext uri="{BB962C8B-B14F-4D97-AF65-F5344CB8AC3E}">
+        <p14:creationId xmlns:p14="http://schemas.microsoft.com/office/powerpoint/2010/main" val="2870540404"/>
+      </p:ext>
+    </p:extLst>
+  </p:cSld>
+  <p:clrMapOvr>
+    <a:masterClrMapping/>
+  </p:clrMapOvr>
+</p:sld>
+</file>
+
+<file path=ppt/slides/slide11.xml><?xml version="1.0" encoding="utf-8"?>
+<p:sld xmlns:a="http://schemas.openxmlformats.org/drawingml/2006/main" xmlns:r="http://schemas.openxmlformats.org/officeDocument/2006/relationships" xmlns:p="http://schemas.openxmlformats.org/presentationml/2006/main">
+  <p:cSld>
+    <p:spTree>
+      <p:nvGrpSpPr>
+        <p:cNvPr id="1" name=""/>
+        <p:cNvGrpSpPr/>
+        <p:nvPr/>
+      </p:nvGrpSpPr>
+      <p:grpSpPr>
+        <a:xfrm>
+          <a:off x="0" y="0"/>
+          <a:ext cx="0" cy="0"/>
+          <a:chOff x="0" y="0"/>
+          <a:chExt cx="0" cy="0"/>
+        </a:xfrm>
+      </p:grpSpPr>
+      <p:sp>
+        <p:nvSpPr>
+          <p:cNvPr id="2" name="Title 1"/>
+          <p:cNvSpPr>
+            <a:spLocks noGrp="1"/>
+          </p:cNvSpPr>
+          <p:nvPr>
+            <p:ph type="title"/>
+          </p:nvPr>
+        </p:nvSpPr>
+        <p:spPr/>
+        <p:txBody>
+          <a:bodyPr/>
+          <a:lstStyle/>
+          <a:p>
+            <a:r>
+              <a:rPr lang="en-GB" dirty="0" smtClean="0"/>
+              <a:t>Performance analysis </a:t>
+            </a:r>
+            <a:r>
+              <a:rPr lang="en-GB" dirty="0"/>
+              <a:t>of case study</a:t>
+            </a:r>
+          </a:p>
+        </p:txBody>
+      </p:sp>
+      <p:sp>
+        <p:nvSpPr>
+          <p:cNvPr id="3" name="Content Placeholder 2"/>
+          <p:cNvSpPr>
+            <a:spLocks noGrp="1"/>
+          </p:cNvSpPr>
+          <p:nvPr>
+            <p:ph idx="1"/>
+          </p:nvPr>
+        </p:nvSpPr>
+        <p:spPr>
+          <a:xfrm>
+            <a:off x="693622" y="1853561"/>
+            <a:ext cx="5424374" cy="4462398"/>
+          </a:xfrm>
+        </p:spPr>
+        <p:txBody>
+          <a:bodyPr>
+            <a:normAutofit lnSpcReduction="10000"/>
+          </a:bodyPr>
+          <a:lstStyle/>
+          <a:p>
+            <a:r>
+              <a:rPr lang="en-GB" sz="1800" dirty="0" smtClean="0"/>
+              <a:t>PSO-del</a:t>
+            </a:r>
+            <a:r>
+              <a:rPr lang="en-GB" sz="1800" dirty="0"/>
+              <a:t>, PSO-a, PSO-p, or PSO-mem only take into consideration delay, area, power or memory </a:t>
+            </a:r>
+            <a:r>
+              <a:rPr lang="en-GB" sz="1800" dirty="0" smtClean="0"/>
+              <a:t>separately.</a:t>
+            </a:r>
+          </a:p>
+          <a:p>
+            <a:r>
+              <a:rPr lang="en-GB" sz="1800" dirty="0" smtClean="0"/>
+              <a:t>PSO-a and PSO-p produce the same results because they both focus on moving nodes to software</a:t>
+            </a:r>
+          </a:p>
+          <a:p>
+            <a:r>
+              <a:rPr lang="en-GB" sz="1800" dirty="0" smtClean="0"/>
+              <a:t>PSO-del and PSO-mem produce similar results because they both focus on moving nodes to hardware</a:t>
+            </a:r>
+          </a:p>
+          <a:p>
+            <a:r>
+              <a:rPr lang="en-GB" sz="1800" dirty="0" smtClean="0"/>
+              <a:t>PSO-</a:t>
+            </a:r>
+            <a:r>
+              <a:rPr lang="en-GB" sz="1800" dirty="0" err="1" smtClean="0"/>
+              <a:t>NoProc</a:t>
+            </a:r>
+            <a:r>
+              <a:rPr lang="en-GB" sz="1800" dirty="0" smtClean="0"/>
+              <a:t> is used to determine the optimum about of parallel processors to be used in the design</a:t>
+            </a:r>
+          </a:p>
+          <a:p>
+            <a:r>
+              <a:rPr lang="en-GB" sz="1800" dirty="0" smtClean="0"/>
+              <a:t>Comparing PSO-</a:t>
+            </a:r>
+            <a:r>
+              <a:rPr lang="en-GB" sz="1800" dirty="0" err="1" smtClean="0"/>
+              <a:t>NoProc</a:t>
+            </a:r>
+            <a:r>
+              <a:rPr lang="en-GB" sz="1800" dirty="0" smtClean="0"/>
+              <a:t> and PSO-mem you can see the main differences between doing things in parallel with hardware and software</a:t>
+            </a:r>
+          </a:p>
+          <a:p>
+            <a:endParaRPr lang="en-GB" sz="1400" dirty="0"/>
+          </a:p>
+          <a:p>
+            <a:endParaRPr lang="en-GB" sz="1400" dirty="0" smtClean="0"/>
+          </a:p>
+          <a:p>
+            <a:endParaRPr lang="en-GB" sz="1800" dirty="0"/>
+          </a:p>
+          <a:p>
+            <a:endParaRPr lang="en-GB" dirty="0" smtClean="0"/>
+          </a:p>
+          <a:p>
+            <a:endParaRPr lang="en-GB" dirty="0"/>
+          </a:p>
+        </p:txBody>
+      </p:sp>
+      <p:pic>
+        <p:nvPicPr>
+          <p:cNvPr id="4" name="Picture 3"/>
+          <p:cNvPicPr>
+            <a:picLocks noChangeAspect="1"/>
+          </p:cNvPicPr>
+          <p:nvPr/>
+        </p:nvPicPr>
+        <p:blipFill rotWithShape="1">
+          <a:blip r:embed="rId3"/>
+          <a:srcRect t="3776"/>
+          <a:stretch/>
+        </p:blipFill>
+        <p:spPr>
+          <a:xfrm>
+            <a:off x="6204507" y="2794687"/>
+            <a:ext cx="5707880" cy="2946237"/>
+          </a:xfrm>
+          <a:prstGeom prst="rect">
+            <a:avLst/>
+          </a:prstGeom>
+        </p:spPr>
+      </p:pic>
+      <p:sp>
+        <p:nvSpPr>
+          <p:cNvPr id="5" name="TextBox 4"/>
+          <p:cNvSpPr txBox="1"/>
+          <p:nvPr/>
+        </p:nvSpPr>
+        <p:spPr>
+          <a:xfrm>
+            <a:off x="7230359" y="2055862"/>
+            <a:ext cx="4495782" cy="646331"/>
+          </a:xfrm>
+          <a:prstGeom prst="rect">
+            <a:avLst/>
+          </a:prstGeom>
+          <a:noFill/>
+        </p:spPr>
+        <p:txBody>
+          <a:bodyPr wrap="square" rtlCol="0">
+            <a:spAutoFit/>
+          </a:bodyPr>
+          <a:lstStyle/>
+          <a:p>
+            <a:r>
+              <a:rPr lang="en-GB" dirty="0" smtClean="0"/>
+              <a:t>Comparison of several different algorithms including re-excited PSO:</a:t>
+            </a:r>
+            <a:endParaRPr lang="en-GB" dirty="0"/>
+          </a:p>
+        </p:txBody>
+      </p:sp>
+    </p:spTree>
+    <p:extLst>
+      <p:ext uri="{BB962C8B-B14F-4D97-AF65-F5344CB8AC3E}">
+        <p14:creationId xmlns:p14="http://schemas.microsoft.com/office/powerpoint/2010/main" val="4000673624"/>
+      </p:ext>
+    </p:extLst>
+  </p:cSld>
+  <p:clrMapOvr>
+    <a:masterClrMapping/>
+  </p:clrMapOvr>
+</p:sld>
+</file>
+
+<file path=ppt/slides/slide12.xml><?xml version="1.0" encoding="utf-8"?>
+<p:sld xmlns:a="http://schemas.openxmlformats.org/drawingml/2006/main" xmlns:r="http://schemas.openxmlformats.org/officeDocument/2006/relationships" xmlns:p="http://schemas.openxmlformats.org/presentationml/2006/main">
+  <p:cSld>
+    <p:spTree>
+      <p:nvGrpSpPr>
+        <p:cNvPr id="1" name=""/>
+        <p:cNvGrpSpPr/>
+        <p:nvPr/>
+      </p:nvGrpSpPr>
+      <p:grpSpPr>
+        <a:xfrm>
+          <a:off x="0" y="0"/>
+          <a:ext cx="0" cy="0"/>
+          <a:chOff x="0" y="0"/>
+          <a:chExt cx="0" cy="0"/>
+        </a:xfrm>
+      </p:grpSpPr>
+      <p:sp>
+        <p:nvSpPr>
+          <p:cNvPr id="2" name="Title 1"/>
+          <p:cNvSpPr>
+            <a:spLocks noGrp="1"/>
+          </p:cNvSpPr>
+          <p:nvPr>
+            <p:ph type="title"/>
+          </p:nvPr>
+        </p:nvSpPr>
+        <p:spPr/>
+        <p:txBody>
+          <a:bodyPr/>
+          <a:lstStyle/>
+          <a:p>
+            <a:r>
+              <a:rPr lang="en-GB" dirty="0" smtClean="0"/>
+              <a:t>Conclusion</a:t>
+            </a:r>
+            <a:endParaRPr lang="en-GB" dirty="0"/>
+          </a:p>
+        </p:txBody>
+      </p:sp>
+      <p:sp>
+        <p:nvSpPr>
+          <p:cNvPr id="3" name="Content Placeholder 2"/>
+          <p:cNvSpPr>
+            <a:spLocks noGrp="1"/>
+          </p:cNvSpPr>
+          <p:nvPr>
+            <p:ph idx="1"/>
+          </p:nvPr>
+        </p:nvSpPr>
+        <p:spPr/>
+        <p:txBody>
+          <a:bodyPr/>
+          <a:lstStyle/>
+          <a:p>
+            <a:endParaRPr lang="en-GB"/>
+          </a:p>
+        </p:txBody>
+      </p:sp>
+    </p:spTree>
+    <p:extLst>
+      <p:ext uri="{BB962C8B-B14F-4D97-AF65-F5344CB8AC3E}">
+        <p14:creationId xmlns:p14="http://schemas.microsoft.com/office/powerpoint/2010/main" val="541659655"/>
+      </p:ext>
+    </p:extLst>
+  </p:cSld>
+  <p:clrMapOvr>
+    <a:masterClrMapping/>
+  </p:clrMapOvr>
+</p:sld>
+</file>
+
+<file path=ppt/slides/slide13.xml><?xml version="1.0" encoding="utf-8"?>
+<p:sld xmlns:a="http://schemas.openxmlformats.org/drawingml/2006/main" xmlns:r="http://schemas.openxmlformats.org/officeDocument/2006/relationships" xmlns:p="http://schemas.openxmlformats.org/presentationml/2006/main">
+  <p:cSld>
+    <p:spTree>
+      <p:nvGrpSpPr>
+        <p:cNvPr id="1" name=""/>
+        <p:cNvGrpSpPr/>
+        <p:nvPr/>
+      </p:nvGrpSpPr>
+      <p:grpSpPr>
+        <a:xfrm>
+          <a:off x="0" y="0"/>
+          <a:ext cx="0" cy="0"/>
+          <a:chOff x="0" y="0"/>
+          <a:chExt cx="0" cy="0"/>
+        </a:xfrm>
+      </p:grpSpPr>
+      <p:sp>
+        <p:nvSpPr>
+          <p:cNvPr id="2" name="Title 1"/>
+          <p:cNvSpPr>
+            <a:spLocks noGrp="1"/>
+          </p:cNvSpPr>
+          <p:nvPr>
+            <p:ph type="title"/>
+          </p:nvPr>
+        </p:nvSpPr>
         <p:spPr>
           <a:xfrm>
             <a:off x="971731" y="2343623"/>
@@ -15032,6 +16158,122 @@
           <a:p>
             <a:r>
               <a:rPr lang="en-GB" dirty="0" smtClean="0"/>
+              <a:t>Introduction to Particle Swarm Optimization(PSO) algorithm</a:t>
+            </a:r>
+            <a:endParaRPr lang="en-GB" dirty="0"/>
+          </a:p>
+        </p:txBody>
+      </p:sp>
+      <p:sp>
+        <p:nvSpPr>
+          <p:cNvPr id="3" name="Content Placeholder 2"/>
+          <p:cNvSpPr>
+            <a:spLocks noGrp="1"/>
+          </p:cNvSpPr>
+          <p:nvPr>
+            <p:ph idx="1"/>
+          </p:nvPr>
+        </p:nvSpPr>
+        <p:spPr/>
+        <p:txBody>
+          <a:bodyPr>
+            <a:normAutofit fontScale="92500" lnSpcReduction="20000"/>
+          </a:bodyPr>
+          <a:lstStyle/>
+          <a:p>
+            <a:r>
+              <a:rPr lang="en-GB" dirty="0" smtClean="0"/>
+              <a:t>Using PSO to solve partitioning of hardware and software design in programmable devices</a:t>
+            </a:r>
+          </a:p>
+          <a:p>
+            <a:r>
+              <a:rPr lang="en-GB" dirty="0" smtClean="0"/>
+              <a:t>Solutions are found at random to begin with, then based on solution results over each iteration by following current best solution the most optimal one can be found</a:t>
+            </a:r>
+          </a:p>
+          <a:p>
+            <a:r>
+              <a:rPr lang="en-GB" dirty="0" smtClean="0"/>
+              <a:t>Specifically for hardware and software partitioning methodology:</a:t>
+            </a:r>
+          </a:p>
+          <a:p>
+            <a:pPr lvl="1"/>
+            <a:r>
+              <a:rPr lang="en-GB" dirty="0" smtClean="0"/>
+              <a:t>Generate set of solutions with random amount of serial nodes, parallel nodes and level of power implementation</a:t>
+            </a:r>
+          </a:p>
+          <a:p>
+            <a:pPr lvl="1"/>
+            <a:r>
+              <a:rPr lang="en-GB" dirty="0" smtClean="0"/>
+              <a:t>After each round based best performances, generate new set with similar amounts</a:t>
+            </a:r>
+          </a:p>
+          <a:p>
+            <a:pPr lvl="1"/>
+            <a:r>
+              <a:rPr lang="en-GB" dirty="0" smtClean="0"/>
+              <a:t>Keep repeating until optimal solution is found or set number of rounds is met</a:t>
+            </a:r>
+          </a:p>
+          <a:p>
+            <a:endParaRPr lang="en-GB" dirty="0"/>
+          </a:p>
+          <a:p>
+            <a:endParaRPr lang="en-GB" dirty="0" smtClean="0"/>
+          </a:p>
+        </p:txBody>
+      </p:sp>
+    </p:spTree>
+    <p:extLst>
+      <p:ext uri="{BB962C8B-B14F-4D97-AF65-F5344CB8AC3E}">
+        <p14:creationId xmlns:p14="http://schemas.microsoft.com/office/powerpoint/2010/main" val="3479396874"/>
+      </p:ext>
+    </p:extLst>
+  </p:cSld>
+  <p:clrMapOvr>
+    <a:masterClrMapping/>
+  </p:clrMapOvr>
+</p:sld>
+</file>
+
+<file path=ppt/slides/slide5.xml><?xml version="1.0" encoding="utf-8"?>
+<p:sld xmlns:a="http://schemas.openxmlformats.org/drawingml/2006/main" xmlns:r="http://schemas.openxmlformats.org/officeDocument/2006/relationships" xmlns:p="http://schemas.openxmlformats.org/presentationml/2006/main">
+  <p:cSld>
+    <p:spTree>
+      <p:nvGrpSpPr>
+        <p:cNvPr id="1" name=""/>
+        <p:cNvGrpSpPr/>
+        <p:nvPr/>
+      </p:nvGrpSpPr>
+      <p:grpSpPr>
+        <a:xfrm>
+          <a:off x="0" y="0"/>
+          <a:ext cx="0" cy="0"/>
+          <a:chOff x="0" y="0"/>
+          <a:chExt cx="0" cy="0"/>
+        </a:xfrm>
+      </p:grpSpPr>
+      <p:sp>
+        <p:nvSpPr>
+          <p:cNvPr id="2" name="Title 1"/>
+          <p:cNvSpPr>
+            <a:spLocks noGrp="1"/>
+          </p:cNvSpPr>
+          <p:nvPr>
+            <p:ph type="title"/>
+          </p:nvPr>
+        </p:nvSpPr>
+        <p:spPr/>
+        <p:txBody>
+          <a:bodyPr/>
+          <a:lstStyle/>
+          <a:p>
+            <a:r>
+              <a:rPr lang="en-GB" dirty="0" smtClean="0"/>
               <a:t>How cost is considered in relation to a parallel system</a:t>
             </a:r>
             <a:endParaRPr lang="en-GB" dirty="0"/>
@@ -15111,7 +16353,7 @@
 </p:sld>
 </file>
 
-<file path=ppt/slides/slide5.xml><?xml version="1.0" encoding="utf-8"?>
+<file path=ppt/slides/slide6.xml><?xml version="1.0" encoding="utf-8"?>
 <p:sld xmlns:a="http://schemas.openxmlformats.org/drawingml/2006/main" xmlns:r="http://schemas.openxmlformats.org/officeDocument/2006/relationships" xmlns:p="http://schemas.openxmlformats.org/presentationml/2006/main">
   <p:cSld>
     <p:spTree>
@@ -15281,130 +16523,6 @@
 </p:sld>
 </file>
 
-<file path=ppt/slides/slide6.xml><?xml version="1.0" encoding="utf-8"?>
-<p:sld xmlns:a="http://schemas.openxmlformats.org/drawingml/2006/main" xmlns:r="http://schemas.openxmlformats.org/officeDocument/2006/relationships" xmlns:p="http://schemas.openxmlformats.org/presentationml/2006/main">
-  <p:cSld>
-    <p:spTree>
-      <p:nvGrpSpPr>
-        <p:cNvPr id="1" name=""/>
-        <p:cNvGrpSpPr/>
-        <p:nvPr/>
-      </p:nvGrpSpPr>
-      <p:grpSpPr>
-        <a:xfrm>
-          <a:off x="0" y="0"/>
-          <a:ext cx="0" cy="0"/>
-          <a:chOff x="0" y="0"/>
-          <a:chExt cx="0" cy="0"/>
-        </a:xfrm>
-      </p:grpSpPr>
-      <p:sp>
-        <p:nvSpPr>
-          <p:cNvPr id="2" name="Title 1"/>
-          <p:cNvSpPr>
-            <a:spLocks noGrp="1"/>
-          </p:cNvSpPr>
-          <p:nvPr>
-            <p:ph type="title"/>
-          </p:nvPr>
-        </p:nvSpPr>
-        <p:spPr/>
-        <p:txBody>
-          <a:bodyPr/>
-          <a:lstStyle/>
-          <a:p>
-            <a:r>
-              <a:rPr lang="en-GB" dirty="0" smtClean="0"/>
-              <a:t>Introduction to </a:t>
-            </a:r>
-            <a:r>
-              <a:rPr lang="en-GB" i="1" dirty="0" smtClean="0"/>
-              <a:t>Re-excited </a:t>
-            </a:r>
-            <a:r>
-              <a:rPr lang="en-GB" dirty="0" smtClean="0"/>
-              <a:t>Particle Swarm Optimization(PSO) algorithm</a:t>
-            </a:r>
-            <a:endParaRPr lang="en-GB" dirty="0"/>
-          </a:p>
-        </p:txBody>
-      </p:sp>
-      <p:sp>
-        <p:nvSpPr>
-          <p:cNvPr id="3" name="Content Placeholder 2"/>
-          <p:cNvSpPr>
-            <a:spLocks noGrp="1"/>
-          </p:cNvSpPr>
-          <p:nvPr>
-            <p:ph idx="1"/>
-          </p:nvPr>
-        </p:nvSpPr>
-        <p:spPr/>
-        <p:txBody>
-          <a:bodyPr>
-            <a:normAutofit fontScale="92500" lnSpcReduction="20000"/>
-          </a:bodyPr>
-          <a:lstStyle/>
-          <a:p>
-            <a:r>
-              <a:rPr lang="en-GB" dirty="0" smtClean="0"/>
-              <a:t>Using PSO to solve partitioning of hardware and software design in programmable devices</a:t>
-            </a:r>
-          </a:p>
-          <a:p>
-            <a:r>
-              <a:rPr lang="en-GB" dirty="0" smtClean="0"/>
-              <a:t>Solutions are found at random to begin with, then based on solution results over each iteration by following current best solution the most optimal one can be found</a:t>
-            </a:r>
-          </a:p>
-          <a:p>
-            <a:r>
-              <a:rPr lang="en-GB" dirty="0" smtClean="0"/>
-              <a:t>Specifically for hardware and software partitioning methodology:</a:t>
-            </a:r>
-          </a:p>
-          <a:p>
-            <a:pPr lvl="1"/>
-            <a:r>
-              <a:rPr lang="en-GB" dirty="0" smtClean="0"/>
-              <a:t>Generate set of solutions with random amount of serial nodes, parallel nodes and power implementation</a:t>
-            </a:r>
-          </a:p>
-          <a:p>
-            <a:pPr lvl="1"/>
-            <a:r>
-              <a:rPr lang="en-GB" dirty="0" smtClean="0"/>
-              <a:t>After each round based best performances, generate new set with similar amounts</a:t>
-            </a:r>
-          </a:p>
-          <a:p>
-            <a:pPr lvl="1"/>
-            <a:r>
-              <a:rPr lang="en-GB" dirty="0" smtClean="0"/>
-              <a:t>Keep repeating until optimal solution is found or set number of rounds is met</a:t>
-            </a:r>
-          </a:p>
-          <a:p>
-            <a:endParaRPr lang="en-GB" dirty="0"/>
-          </a:p>
-          <a:p>
-            <a:endParaRPr lang="en-GB" dirty="0" smtClean="0"/>
-          </a:p>
-        </p:txBody>
-      </p:sp>
-    </p:spTree>
-    <p:extLst>
-      <p:ext uri="{BB962C8B-B14F-4D97-AF65-F5344CB8AC3E}">
-        <p14:creationId xmlns:p14="http://schemas.microsoft.com/office/powerpoint/2010/main" val="3479396874"/>
-      </p:ext>
-    </p:extLst>
-  </p:cSld>
-  <p:clrMapOvr>
-    <a:masterClrMapping/>
-  </p:clrMapOvr>
-</p:sld>
-</file>
-
 <file path=ppt/slides/slide7.xml><?xml version="1.0" encoding="utf-8"?>
 <p:sld xmlns:a="http://schemas.openxmlformats.org/drawingml/2006/main" xmlns:r="http://schemas.openxmlformats.org/officeDocument/2006/relationships" xmlns:p="http://schemas.openxmlformats.org/presentationml/2006/main">
   <p:cSld>
@@ -15439,8 +16557,64 @@
           <a:p>
             <a:r>
               <a:rPr lang="en-GB" dirty="0" smtClean="0"/>
-              <a:t>Example results of HW/SW partitioning using re-excited PSO</a:t>
-            </a:r>
+              <a:t>PSO Algorithm implementation</a:t>
+            </a:r>
+            <a:endParaRPr lang="en-GB" dirty="0"/>
+          </a:p>
+        </p:txBody>
+      </p:sp>
+      <p:sp>
+        <p:nvSpPr>
+          <p:cNvPr id="3" name="Content Placeholder 2"/>
+          <p:cNvSpPr>
+            <a:spLocks noGrp="1"/>
+          </p:cNvSpPr>
+          <p:nvPr>
+            <p:ph idx="1"/>
+          </p:nvPr>
+        </p:nvSpPr>
+        <p:spPr>
+          <a:xfrm>
+            <a:off x="1141412" y="2249487"/>
+            <a:ext cx="9905999" cy="3541714"/>
+          </a:xfrm>
+        </p:spPr>
+        <p:txBody>
+          <a:bodyPr>
+            <a:normAutofit/>
+          </a:bodyPr>
+          <a:lstStyle/>
+          <a:p>
+            <a:r>
+              <a:rPr lang="en-GB" dirty="0" smtClean="0"/>
+              <a:t>The input of the algorithm consists of a design, which contains certain amount of nodes each one has random cost values, each cost parameter is uniformly distributed</a:t>
+            </a:r>
+          </a:p>
+          <a:p>
+            <a:r>
+              <a:rPr lang="en-GB" dirty="0" smtClean="0"/>
+              <a:t>Cost range for hardware and software 1 to 99, cost range for power 1 to 9</a:t>
+            </a:r>
+          </a:p>
+          <a:p>
+            <a:r>
+              <a:rPr lang="en-GB" dirty="0" smtClean="0"/>
+              <a:t>Possible solution consists of M amount of nodes, stored in a vector each node has an indication value showing if it’s implemented as hardware or software</a:t>
+            </a:r>
+          </a:p>
+          <a:p>
+            <a:endParaRPr lang="en-GB" dirty="0"/>
+          </a:p>
+          <a:p>
+            <a:pPr lvl="1"/>
+            <a:endParaRPr lang="en-GB" dirty="0" smtClean="0"/>
+          </a:p>
+          <a:p>
+            <a:pPr lvl="1"/>
+            <a:endParaRPr lang="en-GB" dirty="0" smtClean="0"/>
+          </a:p>
+          <a:p>
+            <a:pPr lvl="1"/>
             <a:endParaRPr lang="en-GB" dirty="0"/>
           </a:p>
         </p:txBody>
@@ -15461,8 +16635,8 @@
         </p:blipFill>
         <p:spPr>
           <a:xfrm>
-            <a:off x="2420806" y="1879763"/>
-            <a:ext cx="6762750" cy="4286250"/>
+            <a:off x="1577271" y="5395912"/>
+            <a:ext cx="8867775" cy="1095375"/>
           </a:xfrm>
           <a:prstGeom prst="rect">
             <a:avLst/>
@@ -15472,7 +16646,7 @@
     </p:spTree>
     <p:extLst>
       <p:ext uri="{BB962C8B-B14F-4D97-AF65-F5344CB8AC3E}">
-        <p14:creationId xmlns:p14="http://schemas.microsoft.com/office/powerpoint/2010/main" val="1934615226"/>
+        <p14:creationId xmlns:p14="http://schemas.microsoft.com/office/powerpoint/2010/main" val="2084210739"/>
       </p:ext>
     </p:extLst>
   </p:cSld>
@@ -15516,15 +16690,39 @@
           <a:p>
             <a:r>
               <a:rPr lang="en-GB" dirty="0" smtClean="0"/>
-              <a:t>Experiments/Case study</a:t>
+              <a:t>Example results of HW/SW partitioning using re-excited PSO</a:t>
             </a:r>
             <a:endParaRPr lang="en-GB" dirty="0"/>
           </a:p>
         </p:txBody>
       </p:sp>
-      <p:sp>
-        <p:nvSpPr>
-          <p:cNvPr id="3" name="Content Placeholder 2"/>
+      <p:pic>
+        <p:nvPicPr>
+          <p:cNvPr id="4" name="Picture 3"/>
+          <p:cNvPicPr>
+            <a:picLocks noChangeAspect="1"/>
+          </p:cNvPicPr>
+          <p:nvPr/>
+        </p:nvPicPr>
+        <p:blipFill>
+          <a:blip r:embed="rId3"/>
+          <a:stretch>
+            <a:fillRect/>
+          </a:stretch>
+        </p:blipFill>
+        <p:spPr>
+          <a:xfrm>
+            <a:off x="5794377" y="2026762"/>
+            <a:ext cx="5906135" cy="3743325"/>
+          </a:xfrm>
+          <a:prstGeom prst="rect">
+            <a:avLst/>
+          </a:prstGeom>
+        </p:spPr>
+      </p:pic>
+      <p:sp>
+        <p:nvSpPr>
+          <p:cNvPr id="5" name="Content Placeholder 2"/>
           <p:cNvSpPr>
             <a:spLocks noGrp="1"/>
           </p:cNvSpPr>
@@ -15532,13 +16730,31 @@
             <p:ph idx="1"/>
           </p:nvPr>
         </p:nvSpPr>
-        <p:spPr/>
+        <p:spPr>
+          <a:xfrm>
+            <a:off x="1141412" y="2249487"/>
+            <a:ext cx="4759767" cy="3541714"/>
+          </a:xfrm>
+        </p:spPr>
         <p:txBody>
           <a:bodyPr>
-            <a:normAutofit/>
+            <a:normAutofit fontScale="92500"/>
           </a:bodyPr>
           <a:lstStyle/>
           <a:p>
+            <a:r>
+              <a:rPr lang="en-GB" dirty="0" smtClean="0"/>
+              <a:t>PSO runs again with new data holding best results from previous rounds</a:t>
+            </a:r>
+          </a:p>
+          <a:p>
+            <a:endParaRPr lang="en-GB" dirty="0"/>
+          </a:p>
+          <a:p>
+            <a:r>
+              <a:rPr lang="en-GB" dirty="0" smtClean="0"/>
+              <a:t>Generates new solution and compares against previous solutions, to help improve further improve results</a:t>
+            </a:r>
             <a:endParaRPr lang="en-GB" dirty="0"/>
           </a:p>
         </p:txBody>
@@ -15546,7 +16762,7 @@
     </p:spTree>
     <p:extLst>
       <p:ext uri="{BB962C8B-B14F-4D97-AF65-F5344CB8AC3E}">
-        <p14:creationId xmlns:p14="http://schemas.microsoft.com/office/powerpoint/2010/main" val="1858844782"/>
+        <p14:creationId xmlns:p14="http://schemas.microsoft.com/office/powerpoint/2010/main" val="1934615226"/>
       </p:ext>
     </p:extLst>
   </p:cSld>
@@ -15588,7 +16804,11 @@
           <a:bodyPr/>
           <a:lstStyle/>
           <a:p>
-            <a:endParaRPr lang="en-GB"/>
+            <a:r>
+              <a:rPr lang="en-GB" dirty="0" smtClean="0"/>
+              <a:t>Real life Case study</a:t>
+            </a:r>
+            <a:endParaRPr lang="en-GB" dirty="0"/>
           </a:p>
         </p:txBody>
       </p:sp>
@@ -15604,17 +16824,58 @@
         </p:nvSpPr>
         <p:spPr/>
         <p:txBody>
-          <a:bodyPr/>
+          <a:bodyPr>
+            <a:normAutofit fontScale="85000" lnSpcReduction="10000"/>
+          </a:bodyPr>
           <a:lstStyle/>
           <a:p>
-            <a:endParaRPr lang="en-GB"/>
+            <a:r>
+              <a:rPr lang="en-GB" dirty="0" smtClean="0"/>
+              <a:t>Purpose of case study is to test out PSO algorithm, against real world hardware and software</a:t>
+            </a:r>
+          </a:p>
+          <a:p>
+            <a:r>
+              <a:rPr lang="en-GB" dirty="0" smtClean="0"/>
+              <a:t>Based on creating a JPEG encoding system</a:t>
+            </a:r>
+          </a:p>
+          <a:p>
+            <a:r>
+              <a:rPr lang="en-GB" dirty="0" smtClean="0"/>
+              <a:t>Only RGB to YUV aspect has to already be implemented in SW, all other aspects are subject to partitioning process</a:t>
+            </a:r>
+          </a:p>
+          <a:p>
+            <a:r>
+              <a:rPr lang="en-GB" dirty="0" smtClean="0"/>
+              <a:t>Measurements have been obtained for hardware cost via implementing the HW on </a:t>
+            </a:r>
+            <a:r>
+              <a:rPr lang="en-GB" dirty="0"/>
+              <a:t>ML310 board using Xilinx ISE 7.1i design </a:t>
+            </a:r>
+            <a:r>
+              <a:rPr lang="en-GB" dirty="0" smtClean="0"/>
+              <a:t>platform</a:t>
+            </a:r>
+          </a:p>
+          <a:p>
+            <a:r>
+              <a:rPr lang="en-GB" dirty="0" smtClean="0"/>
+              <a:t>Measurements have been obtained for software cost via </a:t>
+            </a:r>
+            <a:r>
+              <a:rPr lang="en-GB" dirty="0"/>
+              <a:t>Xilinx Embedded Design Kit (EDK 7.1i)</a:t>
+            </a:r>
           </a:p>
         </p:txBody>
       </p:sp>
     </p:spTree>
     <p:extLst>
       <p:ext uri="{BB962C8B-B14F-4D97-AF65-F5344CB8AC3E}">
-        <p14:creationId xmlns:p14="http://schemas.microsoft.com/office/powerpoint/2010/main" val="2870540404"/>
+        <p14:creationId xmlns:p14="http://schemas.microsoft.com/office/powerpoint/2010/main" val="1858844782"/>
       </p:ext>
     </p:extLst>
   </p:cSld>
